--- a/机器学习.pptx
+++ b/机器学习.pptx
@@ -2,13 +2,30 @@
 <file path=ppt/presentation.xml><?xml version="1.0" encoding="utf-8"?>
 <p:presentation xmlns:a="http://schemas.openxmlformats.org/drawingml/2006/main" xmlns:r="http://schemas.openxmlformats.org/officeDocument/2006/relationships" xmlns:p="http://schemas.openxmlformats.org/presentationml/2006/main" xmlns:p14="http://schemas.microsoft.com/office/powerpoint/2010/main" saveSubsetFonts="1">
   <p:sldMasterIdLst>
-    <p:sldMasterId id="2147483741" r:id="rId13"/>
+    <p:sldMasterId id="2147483796" r:id="rId13"/>
   </p:sldMasterIdLst>
   <p:sldIdLst>
     <p:sldId id="256" r:id="rId15"/>
     <p:sldId id="257" r:id="rId16"/>
     <p:sldId id="258" r:id="rId17"/>
     <p:sldId id="259" r:id="rId18"/>
+    <p:sldId id="260" r:id="rId19"/>
+    <p:sldId id="261" r:id="rId20"/>
+    <p:sldId id="262" r:id="rId21"/>
+    <p:sldId id="263" r:id="rId22"/>
+    <p:sldId id="264" r:id="rId23"/>
+    <p:sldId id="265" r:id="rId24"/>
+    <p:sldId id="266" r:id="rId25"/>
+    <p:sldId id="267" r:id="rId26"/>
+    <p:sldId id="268" r:id="rId27"/>
+    <p:sldId id="269" r:id="rId28"/>
+    <p:sldId id="270" r:id="rId29"/>
+    <p:sldId id="271" r:id="rId30"/>
+    <p:sldId id="272" r:id="rId31"/>
+    <p:sldId id="273" r:id="rId32"/>
+    <p:sldId id="274" r:id="rId33"/>
+    <p:sldId id="275" r:id="rId34"/>
+    <p:sldId id="276" r:id="rId35"/>
   </p:sldIdLst>
   <p:sldSz cx="9144000" cy="6858000"/>
   <p:notesSz cx="6858000" cy="9144000"/>
@@ -5377,6 +5394,1904 @@
 </p:sld>
 </file>
 
+<file path=ppt/slides/slide10.xml><?xml version="1.0" encoding="utf-8"?>
+<p:sld xmlns:a="http://schemas.openxmlformats.org/drawingml/2006/main" xmlns:r="http://schemas.openxmlformats.org/officeDocument/2006/relationships" xmlns:p="http://schemas.openxmlformats.org/presentationml/2006/main">
+  <p:cSld>
+    <p:spTree>
+      <p:nvGrpSpPr>
+        <p:cNvPr id="1" name=""/>
+        <p:cNvGrpSpPr/>
+        <p:nvPr/>
+      </p:nvGrpSpPr>
+      <p:grpSpPr>
+        <a:xfrm>
+          <a:off x="0" y="0"/>
+          <a:ext cx="0" cy="0"/>
+          <a:chOff x="0" y="0"/>
+          <a:chExt cx="0" cy="0"/>
+        </a:xfrm>
+      </p:grpSpPr>
+      <p:pic>
+        <p:nvPicPr>
+          <p:cNvPr id="2" name="图片 1" descr="C:/Users/Kenshin/AppData/Roaming/JisuOffice/ETemp/7564_13633600/fImage22029812241.png"/>
+          <p:cNvPicPr>
+            <a:picLocks noChangeAspect="1"/>
+          </p:cNvPicPr>
+          <p:nvPr/>
+        </p:nvPicPr>
+        <p:blipFill rotWithShape="1">
+          <a:blip r:embed="rId2">
+            <a:extLst>
+              <a:ext uri="{28A0092B-C50C-407E-A947-70E740481C1C}">
+                <a14:useLocalDpi xmlns:a14="http://schemas.microsoft.com/office/drawing/2010/main" val="0"/>
+              </a:ext>
+            </a:extLst>
+          </a:blip>
+          <a:stretch>
+            <a:fillRect/>
+          </a:stretch>
+        </p:blipFill>
+        <p:spPr>
+          <a:xfrm rot="0">
+            <a:off x="0" y="1254125"/>
+            <a:ext cx="9144635" cy="4349750"/>
+          </a:xfrm>
+          <a:prstGeom prst="rect"/>
+          <a:noFill/>
+        </p:spPr>
+      </p:pic>
+    </p:spTree>
+  </p:cSld>
+  <p:clrMapOvr>
+    <a:masterClrMapping/>
+  </p:clrMapOvr>
+  <mc:AlternateContent xmlns:mc="http://schemas.openxmlformats.org/markup-compatibility/2006">
+    <mc:Choice xmlns:p14="http://schemas.microsoft.com/office/powerpoint/2010/main" Requires="p14">
+      <p:transition spd="slow" p14:dur="1000"/>
+    </mc:Choice>
+    <mc:Fallback>
+      <p:transition spd="slow"/>
+    </mc:Fallback>
+  </mc:AlternateContent>
+</p:sld>
+</file>
+
+<file path=ppt/slides/slide11.xml><?xml version="1.0" encoding="utf-8"?>
+<p:sld xmlns:a="http://schemas.openxmlformats.org/drawingml/2006/main" xmlns:r="http://schemas.openxmlformats.org/officeDocument/2006/relationships" xmlns:p="http://schemas.openxmlformats.org/presentationml/2006/main">
+  <p:cSld>
+    <p:spTree>
+      <p:nvGrpSpPr>
+        <p:cNvPr id="1" name=""/>
+        <p:cNvGrpSpPr/>
+        <p:nvPr/>
+      </p:nvGrpSpPr>
+      <p:grpSpPr>
+        <a:xfrm>
+          <a:off x="0" y="0"/>
+          <a:ext cx="0" cy="0"/>
+          <a:chOff x="0" y="0"/>
+          <a:chExt cx="0" cy="0"/>
+        </a:xfrm>
+      </p:grpSpPr>
+      <p:sp>
+        <p:nvSpPr>
+          <p:cNvPr id="2" name="文本占位符 1"/>
+          <p:cNvSpPr txBox="1">
+            <a:spLocks/>
+          </p:cNvSpPr>
+          <p:nvPr>
+            <p:ph type="title"/>
+          </p:nvPr>
+        </p:nvSpPr>
+        <p:spPr>
+          <a:xfrm rot="0">
+            <a:off x="457200" y="274320"/>
+            <a:ext cx="8230870" cy="1144270"/>
+          </a:xfrm>
+          <a:prstGeom prst="rect"/>
+        </p:spPr>
+        <p:txBody>
+          <a:bodyPr wrap="square" lIns="91440" tIns="45720" rIns="91440" bIns="45720" vert="horz" anchor="ctr">
+            <a:normAutofit fontScale="100000" lnSpcReduction="0"/>
+          </a:bodyPr>
+          <a:lstStyle/>
+          <a:p>
+            <a:pPr marL="0" indent="0" algn="l" fontAlgn="auto" defTabSz="508000" eaLnBrk="0">
+              <a:lnSpc>
+                <a:spcPct val="100000"/>
+              </a:lnSpc>
+              <a:spcBef>
+                <a:spcPts val="0"/>
+              </a:spcBef>
+              <a:spcAft>
+                <a:spcPts val="0"/>
+              </a:spcAft>
+              <a:buFontTx/>
+              <a:buNone/>
+            </a:pPr>
+            <a:r>
+              <a:rPr lang="en-US" altLang="ko-KR" sz="4400" cap="none" dirty="0" smtClean="0" b="0">
+                <a:solidFill>
+                  <a:schemeClr val="tx1"/>
+                </a:solidFill>
+                <a:latin typeface="Calibri" charset="0"/>
+                <a:ea typeface="Calibri" charset="0"/>
+              </a:rPr>
+              <a:t>自助法</a:t>
+            </a:r>
+            <a:endParaRPr lang="ko-KR" altLang="en-US" sz="4400" cap="none" dirty="0" smtClean="0" b="0">
+              <a:solidFill>
+                <a:schemeClr val="tx1"/>
+              </a:solidFill>
+              <a:latin typeface="Calibri" charset="0"/>
+              <a:ea typeface="Calibri" charset="0"/>
+            </a:endParaRPr>
+          </a:p>
+        </p:txBody>
+      </p:sp>
+      <p:sp>
+        <p:nvSpPr>
+          <p:cNvPr id="3" name="内容占位符 2"/>
+          <p:cNvSpPr txBox="1">
+            <a:spLocks/>
+          </p:cNvSpPr>
+          <p:nvPr>
+            <p:ph type="obj" idx="1"/>
+          </p:nvPr>
+        </p:nvSpPr>
+        <p:spPr>
+          <a:xfrm rot="0">
+            <a:off x="457200" y="1600200"/>
+            <a:ext cx="8230870" cy="4527550"/>
+          </a:xfrm>
+          <a:prstGeom prst="rect"/>
+        </p:spPr>
+        <p:txBody>
+          <a:bodyPr wrap="square" lIns="91440" tIns="45720" rIns="91440" bIns="45720" vert="horz" anchor="t">
+            <a:normAutofit fontScale="100000" lnSpcReduction="0"/>
+          </a:bodyPr>
+          <a:lstStyle/>
+          <a:p>
+            <a:pPr marL="0" indent="0" algn="l" fontAlgn="auto" defTabSz="508000" eaLnBrk="0">
+              <a:lnSpc>
+                <a:spcPct val="90000"/>
+              </a:lnSpc>
+              <a:spcBef>
+                <a:spcPts val="0"/>
+              </a:spcBef>
+              <a:spcAft>
+                <a:spcPts val="0"/>
+              </a:spcAft>
+              <a:buFontTx/>
+              <a:buNone/>
+            </a:pPr>
+            <a:r>
+              <a:rPr lang="en-US" altLang="ko-KR" sz="3600" cap="none" dirty="0" smtClean="0" b="0">
+                <a:solidFill>
+                  <a:schemeClr val="tx1"/>
+                </a:solidFill>
+                <a:latin typeface="Calibri" charset="0"/>
+                <a:ea typeface="Calibri" charset="0"/>
+              </a:rPr>
+              <a:t>给定包含m个样本的数据集D，我们对它进行采样产生数据集 D': 每次随机从D中挑选一个样本 将其拷贝放入 D'中 然后再将该样本放回初始数据集，使得该样本在下次采样时仍有可能被采到这个过程重复执行m次后?我们就得到了包含m个样本的数据集 D'</a:t>
+            </a:r>
+            <a:endParaRPr lang="ko-KR" altLang="en-US" sz="3600" cap="none" dirty="0" smtClean="0" b="0">
+              <a:solidFill>
+                <a:schemeClr val="tx1"/>
+              </a:solidFill>
+              <a:latin typeface="Calibri" charset="0"/>
+              <a:ea typeface="Calibri" charset="0"/>
+            </a:endParaRPr>
+          </a:p>
+        </p:txBody>
+      </p:sp>
+    </p:spTree>
+  </p:cSld>
+  <p:clrMapOvr>
+    <a:masterClrMapping/>
+  </p:clrMapOvr>
+  <mc:AlternateContent xmlns:mc="http://schemas.openxmlformats.org/markup-compatibility/2006">
+    <mc:Choice xmlns:p14="http://schemas.microsoft.com/office/powerpoint/2010/main" Requires="p14">
+      <p:transition spd="slow" p14:dur="1000"/>
+    </mc:Choice>
+    <mc:Fallback>
+      <p:transition spd="slow"/>
+    </mc:Fallback>
+  </mc:AlternateContent>
+</p:sld>
+</file>
+
+<file path=ppt/slides/slide12.xml><?xml version="1.0" encoding="utf-8"?>
+<p:sld xmlns:a="http://schemas.openxmlformats.org/drawingml/2006/main" xmlns:r="http://schemas.openxmlformats.org/officeDocument/2006/relationships" xmlns:p="http://schemas.openxmlformats.org/presentationml/2006/main">
+  <p:cSld>
+    <p:spTree>
+      <p:nvGrpSpPr>
+        <p:cNvPr id="1" name=""/>
+        <p:cNvGrpSpPr/>
+        <p:nvPr/>
+      </p:nvGrpSpPr>
+      <p:grpSpPr>
+        <a:xfrm>
+          <a:off x="0" y="0"/>
+          <a:ext cx="0" cy="0"/>
+          <a:chOff x="0" y="0"/>
+          <a:chExt cx="0" cy="0"/>
+        </a:xfrm>
+      </p:grpSpPr>
+      <p:sp>
+        <p:nvSpPr>
+          <p:cNvPr id="2" name="文本占位符 1"/>
+          <p:cNvSpPr txBox="1">
+            <a:spLocks/>
+          </p:cNvSpPr>
+          <p:nvPr>
+            <p:ph type="title"/>
+          </p:nvPr>
+        </p:nvSpPr>
+        <p:spPr>
+          <a:xfrm rot="0">
+            <a:off x="457200" y="274320"/>
+            <a:ext cx="8230870" cy="1144270"/>
+          </a:xfrm>
+          <a:prstGeom prst="rect"/>
+        </p:spPr>
+        <p:txBody>
+          <a:bodyPr wrap="square" lIns="91440" tIns="45720" rIns="91440" bIns="45720" vert="horz" anchor="ctr">
+            <a:normAutofit fontScale="100000" lnSpcReduction="0"/>
+          </a:bodyPr>
+          <a:lstStyle/>
+          <a:p>
+            <a:pPr marL="0" indent="0" algn="l" fontAlgn="auto" defTabSz="508000" eaLnBrk="0">
+              <a:lnSpc>
+                <a:spcPct val="100000"/>
+              </a:lnSpc>
+              <a:spcBef>
+                <a:spcPts val="0"/>
+              </a:spcBef>
+              <a:spcAft>
+                <a:spcPts val="0"/>
+              </a:spcAft>
+              <a:buFontTx/>
+              <a:buNone/>
+            </a:pPr>
+            <a:r>
+              <a:rPr lang="en-US" altLang="ko-KR" sz="4400" cap="none" dirty="0" smtClean="0" b="0">
+                <a:solidFill>
+                  <a:schemeClr val="tx1"/>
+                </a:solidFill>
+                <a:latin typeface="Calibri" charset="0"/>
+                <a:ea typeface="Calibri" charset="0"/>
+              </a:rPr>
+              <a:t>选择模型</a:t>
+            </a:r>
+            <a:endParaRPr lang="ko-KR" altLang="en-US" sz="4400" cap="none" dirty="0" smtClean="0" b="0">
+              <a:solidFill>
+                <a:schemeClr val="tx1"/>
+              </a:solidFill>
+              <a:latin typeface="Calibri" charset="0"/>
+              <a:ea typeface="Calibri" charset="0"/>
+            </a:endParaRPr>
+          </a:p>
+        </p:txBody>
+      </p:sp>
+      <p:sp>
+        <p:nvSpPr>
+          <p:cNvPr id="3" name="内容占位符 2"/>
+          <p:cNvSpPr txBox="1">
+            <a:spLocks/>
+          </p:cNvSpPr>
+          <p:nvPr>
+            <p:ph type="obj" idx="1"/>
+          </p:nvPr>
+        </p:nvSpPr>
+        <p:spPr>
+          <a:xfrm rot="0">
+            <a:off x="457200" y="1600200"/>
+            <a:ext cx="8230870" cy="4527550"/>
+          </a:xfrm>
+          <a:prstGeom prst="rect"/>
+        </p:spPr>
+        <p:txBody>
+          <a:bodyPr wrap="square" lIns="91440" tIns="45720" rIns="91440" bIns="45720" vert="horz" anchor="t">
+            <a:normAutofit fontScale="100000" lnSpcReduction="0"/>
+          </a:bodyPr>
+          <a:lstStyle/>
+          <a:p>
+            <a:pPr marL="0" indent="0" algn="l" fontAlgn="auto" defTabSz="508000" eaLnBrk="0">
+              <a:lnSpc>
+                <a:spcPct val="90000"/>
+              </a:lnSpc>
+              <a:spcBef>
+                <a:spcPts val="0"/>
+              </a:spcBef>
+              <a:spcAft>
+                <a:spcPts val="0"/>
+              </a:spcAft>
+              <a:buFontTx/>
+              <a:buNone/>
+            </a:pPr>
+            <a:r>
+              <a:rPr lang="en-US" altLang="ko-KR" sz="3600" cap="none" dirty="0" smtClean="0" b="0">
+                <a:solidFill>
+                  <a:schemeClr val="tx1"/>
+                </a:solidFill>
+                <a:latin typeface="Calibri" charset="0"/>
+                <a:ea typeface="Calibri" charset="0"/>
+              </a:rPr>
+              <a:t>1.监督学习</a:t>
+            </a:r>
+            <a:endParaRPr lang="ko-KR" altLang="en-US" sz="3600" cap="none" dirty="0" smtClean="0" b="0">
+              <a:solidFill>
+                <a:schemeClr val="tx1"/>
+              </a:solidFill>
+              <a:latin typeface="Calibri" charset="0"/>
+              <a:ea typeface="Calibri" charset="0"/>
+            </a:endParaRPr>
+          </a:p>
+          <a:p>
+            <a:pPr marL="0" indent="0" algn="l" fontAlgn="auto" defTabSz="508000" eaLnBrk="0">
+              <a:lnSpc>
+                <a:spcPct val="90000"/>
+              </a:lnSpc>
+              <a:spcBef>
+                <a:spcPts val="0"/>
+              </a:spcBef>
+              <a:spcAft>
+                <a:spcPts val="0"/>
+              </a:spcAft>
+              <a:buFontTx/>
+              <a:buNone/>
+            </a:pPr>
+            <a:r>
+              <a:rPr lang="en-US" altLang="ko-KR" sz="3600" cap="none" dirty="0" smtClean="0" b="0">
+                <a:solidFill>
+                  <a:schemeClr val="tx1"/>
+                </a:solidFill>
+                <a:latin typeface="Calibri" charset="0"/>
+                <a:ea typeface="Calibri" charset="0"/>
+              </a:rPr>
+              <a:t>2.半监督学习</a:t>
+            </a:r>
+            <a:endParaRPr lang="ko-KR" altLang="en-US" sz="3600" cap="none" dirty="0" smtClean="0" b="0">
+              <a:solidFill>
+                <a:schemeClr val="tx1"/>
+              </a:solidFill>
+              <a:latin typeface="Calibri" charset="0"/>
+              <a:ea typeface="Calibri" charset="0"/>
+            </a:endParaRPr>
+          </a:p>
+          <a:p>
+            <a:pPr marL="0" indent="0" algn="l" fontAlgn="auto" defTabSz="508000" eaLnBrk="0">
+              <a:lnSpc>
+                <a:spcPct val="90000"/>
+              </a:lnSpc>
+              <a:spcBef>
+                <a:spcPts val="0"/>
+              </a:spcBef>
+              <a:spcAft>
+                <a:spcPts val="0"/>
+              </a:spcAft>
+              <a:buFontTx/>
+              <a:buNone/>
+            </a:pPr>
+            <a:r>
+              <a:rPr lang="en-US" altLang="ko-KR" sz="3600" cap="none" dirty="0" smtClean="0" b="0">
+                <a:solidFill>
+                  <a:schemeClr val="tx1"/>
+                </a:solidFill>
+                <a:latin typeface="Calibri" charset="0"/>
+                <a:ea typeface="Calibri" charset="0"/>
+              </a:rPr>
+              <a:t>3.无监督学习</a:t>
+            </a:r>
+            <a:endParaRPr lang="ko-KR" altLang="en-US" sz="3600" cap="none" dirty="0" smtClean="0" b="0">
+              <a:solidFill>
+                <a:schemeClr val="tx1"/>
+              </a:solidFill>
+              <a:latin typeface="Calibri" charset="0"/>
+              <a:ea typeface="Calibri" charset="0"/>
+            </a:endParaRPr>
+          </a:p>
+          <a:p>
+            <a:pPr marL="0" indent="0" algn="l" fontAlgn="auto" defTabSz="508000" eaLnBrk="0">
+              <a:lnSpc>
+                <a:spcPct val="90000"/>
+              </a:lnSpc>
+              <a:spcBef>
+                <a:spcPts val="0"/>
+              </a:spcBef>
+              <a:spcAft>
+                <a:spcPts val="0"/>
+              </a:spcAft>
+              <a:buFontTx/>
+              <a:buNone/>
+            </a:pPr>
+            <a:r>
+              <a:rPr lang="en-US" altLang="ko-KR" sz="3600" cap="none" dirty="0" smtClean="0" b="0">
+                <a:solidFill>
+                  <a:schemeClr val="tx1"/>
+                </a:solidFill>
+                <a:latin typeface="Calibri" charset="0"/>
+                <a:ea typeface="Calibri" charset="0"/>
+              </a:rPr>
+              <a:t>4.强化学习</a:t>
+            </a:r>
+            <a:endParaRPr lang="ko-KR" altLang="en-US" sz="3600" cap="none" dirty="0" smtClean="0" b="0">
+              <a:solidFill>
+                <a:schemeClr val="tx1"/>
+              </a:solidFill>
+              <a:latin typeface="Calibri" charset="0"/>
+              <a:ea typeface="Calibri" charset="0"/>
+            </a:endParaRPr>
+          </a:p>
+          <a:p>
+            <a:pPr marL="0" indent="0" algn="l" fontAlgn="auto" defTabSz="508000" eaLnBrk="0">
+              <a:lnSpc>
+                <a:spcPct val="90000"/>
+              </a:lnSpc>
+              <a:spcBef>
+                <a:spcPts val="0"/>
+              </a:spcBef>
+              <a:spcAft>
+                <a:spcPts val="0"/>
+              </a:spcAft>
+              <a:buFontTx/>
+              <a:buNone/>
+            </a:pPr>
+            <a:r>
+              <a:rPr lang="en-US" altLang="ko-KR" sz="3600" cap="none" dirty="0" smtClean="0" b="0">
+                <a:solidFill>
+                  <a:schemeClr val="tx1"/>
+                </a:solidFill>
+                <a:latin typeface="Calibri" charset="0"/>
+                <a:ea typeface="Calibri" charset="0"/>
+              </a:rPr>
+              <a:t>5.其他...</a:t>
+            </a:r>
+            <a:endParaRPr lang="ko-KR" altLang="en-US" sz="3600" cap="none" dirty="0" smtClean="0" b="0">
+              <a:solidFill>
+                <a:schemeClr val="tx1"/>
+              </a:solidFill>
+              <a:latin typeface="Calibri" charset="0"/>
+              <a:ea typeface="Calibri" charset="0"/>
+            </a:endParaRPr>
+          </a:p>
+        </p:txBody>
+      </p:sp>
+    </p:spTree>
+  </p:cSld>
+  <p:clrMapOvr>
+    <a:masterClrMapping/>
+  </p:clrMapOvr>
+  <mc:AlternateContent xmlns:mc="http://schemas.openxmlformats.org/markup-compatibility/2006">
+    <mc:Choice xmlns:p14="http://schemas.microsoft.com/office/powerpoint/2010/main" Requires="p14">
+      <p:transition spd="slow" p14:dur="1000"/>
+    </mc:Choice>
+    <mc:Fallback>
+      <p:transition spd="slow"/>
+    </mc:Fallback>
+  </mc:AlternateContent>
+</p:sld>
+</file>
+
+<file path=ppt/slides/slide13.xml><?xml version="1.0" encoding="utf-8"?>
+<p:sld xmlns:a="http://schemas.openxmlformats.org/drawingml/2006/main" xmlns:r="http://schemas.openxmlformats.org/officeDocument/2006/relationships" xmlns:p="http://schemas.openxmlformats.org/presentationml/2006/main">
+  <p:cSld>
+    <p:spTree>
+      <p:nvGrpSpPr>
+        <p:cNvPr id="1" name=""/>
+        <p:cNvGrpSpPr/>
+        <p:nvPr/>
+      </p:nvGrpSpPr>
+      <p:grpSpPr>
+        <a:xfrm>
+          <a:off x="0" y="0"/>
+          <a:ext cx="0" cy="0"/>
+          <a:chOff x="0" y="0"/>
+          <a:chExt cx="0" cy="0"/>
+        </a:xfrm>
+      </p:grpSpPr>
+      <p:sp>
+        <p:nvSpPr>
+          <p:cNvPr id="2" name="文本占位符 1"/>
+          <p:cNvSpPr txBox="1">
+            <a:spLocks/>
+          </p:cNvSpPr>
+          <p:nvPr>
+            <p:ph type="title"/>
+          </p:nvPr>
+        </p:nvSpPr>
+        <p:spPr>
+          <a:xfrm rot="0">
+            <a:off x="457200" y="274320"/>
+            <a:ext cx="8230870" cy="1144270"/>
+          </a:xfrm>
+          <a:prstGeom prst="rect"/>
+        </p:spPr>
+        <p:txBody>
+          <a:bodyPr wrap="square" lIns="91440" tIns="45720" rIns="91440" bIns="45720" vert="horz" anchor="ctr">
+            <a:normAutofit fontScale="100000" lnSpcReduction="0"/>
+          </a:bodyPr>
+          <a:lstStyle/>
+          <a:p>
+            <a:pPr marL="0" indent="0" algn="l" fontAlgn="auto" defTabSz="508000" eaLnBrk="0">
+              <a:lnSpc>
+                <a:spcPct val="100000"/>
+              </a:lnSpc>
+              <a:spcBef>
+                <a:spcPts val="0"/>
+              </a:spcBef>
+              <a:spcAft>
+                <a:spcPts val="0"/>
+              </a:spcAft>
+              <a:buFontTx/>
+              <a:buNone/>
+            </a:pPr>
+            <a:r>
+              <a:rPr lang="en-US" altLang="ko-KR" sz="4400" cap="none" dirty="0" smtClean="0" b="0">
+                <a:solidFill>
+                  <a:schemeClr val="tx1"/>
+                </a:solidFill>
+                <a:latin typeface="Calibri" charset="0"/>
+                <a:ea typeface="Calibri" charset="0"/>
+              </a:rPr>
+              <a:t>监督学习</a:t>
+            </a:r>
+            <a:endParaRPr lang="ko-KR" altLang="en-US" sz="4400" cap="none" dirty="0" smtClean="0" b="0">
+              <a:solidFill>
+                <a:schemeClr val="tx1"/>
+              </a:solidFill>
+              <a:latin typeface="Calibri" charset="0"/>
+              <a:ea typeface="Calibri" charset="0"/>
+            </a:endParaRPr>
+          </a:p>
+        </p:txBody>
+      </p:sp>
+      <p:sp>
+        <p:nvSpPr>
+          <p:cNvPr id="3" name="内容占位符 2"/>
+          <p:cNvSpPr txBox="1">
+            <a:spLocks/>
+          </p:cNvSpPr>
+          <p:nvPr>
+            <p:ph type="obj" idx="1"/>
+          </p:nvPr>
+        </p:nvSpPr>
+        <p:spPr>
+          <a:xfrm rot="0">
+            <a:off x="457200" y="1623695"/>
+            <a:ext cx="8230870" cy="4527550"/>
+          </a:xfrm>
+          <a:prstGeom prst="rect"/>
+        </p:spPr>
+        <p:txBody>
+          <a:bodyPr wrap="square" lIns="91440" tIns="45720" rIns="91440" bIns="45720" vert="horz" anchor="t">
+            <a:noAutofit/>
+          </a:bodyPr>
+          <a:lstStyle/>
+          <a:p>
+            <a:pPr marL="0" indent="0" algn="l" fontAlgn="auto" defTabSz="508000" eaLnBrk="0">
+              <a:lnSpc>
+                <a:spcPct val="90000"/>
+              </a:lnSpc>
+              <a:spcBef>
+                <a:spcPts val="0"/>
+              </a:spcBef>
+              <a:spcAft>
+                <a:spcPts val="0"/>
+              </a:spcAft>
+              <a:buFontTx/>
+              <a:buNone/>
+            </a:pPr>
+            <a:r>
+              <a:rPr lang="en-US" altLang="ko-KR" sz="2800" cap="none" dirty="0" smtClean="0" b="0">
+                <a:solidFill>
+                  <a:schemeClr val="tx1"/>
+                </a:solidFill>
+                <a:latin typeface="Calibri" charset="0"/>
+                <a:ea typeface="Calibri" charset="0"/>
+              </a:rPr>
+              <a:t>比如，历史销售数据可以来预测未来的销售价格。应用监督学习算法，我们需要一个包含标签的训练数据集。我们可以使用这个训练数据集去训练我们的模型，从而得到一个从输入数据到输出期望数据之间的映射函数。</a:t>
+            </a:r>
+            <a:endParaRPr lang="ko-KR" altLang="en-US" sz="2800" cap="none" dirty="0" smtClean="0" b="0">
+              <a:solidFill>
+                <a:schemeClr val="tx1"/>
+              </a:solidFill>
+              <a:latin typeface="Calibri" charset="0"/>
+              <a:ea typeface="Calibri" charset="0"/>
+            </a:endParaRPr>
+          </a:p>
+          <a:p>
+            <a:pPr marL="0" indent="0" algn="l" fontAlgn="auto" defTabSz="508000" eaLnBrk="0">
+              <a:lnSpc>
+                <a:spcPct val="90000"/>
+              </a:lnSpc>
+              <a:spcBef>
+                <a:spcPts val="0"/>
+              </a:spcBef>
+              <a:spcAft>
+                <a:spcPts val="0"/>
+              </a:spcAft>
+              <a:buFontTx/>
+              <a:buNone/>
+            </a:pPr>
+            <a:endParaRPr lang="ko-KR" altLang="en-US" sz="2800" cap="none" dirty="0" smtClean="0" b="0">
+              <a:solidFill>
+                <a:schemeClr val="tx1"/>
+              </a:solidFill>
+              <a:latin typeface="Calibri" charset="0"/>
+              <a:ea typeface="Calibri" charset="0"/>
+            </a:endParaRPr>
+          </a:p>
+          <a:p>
+            <a:pPr marL="0" indent="0" algn="l" fontAlgn="auto" defTabSz="508000" eaLnBrk="0">
+              <a:lnSpc>
+                <a:spcPct val="90000"/>
+              </a:lnSpc>
+              <a:spcBef>
+                <a:spcPts val="0"/>
+              </a:spcBef>
+              <a:spcAft>
+                <a:spcPts val="0"/>
+              </a:spcAft>
+              <a:buFontTx/>
+              <a:buNone/>
+            </a:pPr>
+            <a:r>
+              <a:rPr lang="en-US" altLang="ko-KR" sz="2800" cap="none" dirty="0" smtClean="0" b="0">
+                <a:solidFill>
+                  <a:schemeClr val="tx1"/>
+                </a:solidFill>
+                <a:latin typeface="Calibri" charset="0"/>
+                <a:ea typeface="Calibri" charset="0"/>
+              </a:rPr>
+              <a:t>主要解决：</a:t>
+            </a:r>
+            <a:endParaRPr lang="ko-KR" altLang="en-US" sz="2800" cap="none" dirty="0" smtClean="0" b="0">
+              <a:solidFill>
+                <a:schemeClr val="tx1"/>
+              </a:solidFill>
+              <a:latin typeface="Calibri" charset="0"/>
+              <a:ea typeface="Calibri" charset="0"/>
+            </a:endParaRPr>
+          </a:p>
+          <a:p>
+            <a:pPr marL="0" indent="0" algn="l" fontAlgn="auto" defTabSz="508000" eaLnBrk="0">
+              <a:lnSpc>
+                <a:spcPct val="90000"/>
+              </a:lnSpc>
+              <a:spcBef>
+                <a:spcPts val="0"/>
+              </a:spcBef>
+              <a:spcAft>
+                <a:spcPts val="0"/>
+              </a:spcAft>
+              <a:buFontTx/>
+              <a:buNone/>
+            </a:pPr>
+            <a:r>
+              <a:rPr lang="en-US" altLang="ko-KR" sz="2800" cap="none" dirty="0" smtClean="0" b="0">
+                <a:solidFill>
+                  <a:schemeClr val="tx1"/>
+                </a:solidFill>
+                <a:latin typeface="Calibri" charset="0"/>
+                <a:ea typeface="Calibri" charset="0"/>
+              </a:rPr>
+              <a:t>1.</a:t>
+            </a:r>
+            <a:r>
+              <a:rPr lang="en-US" altLang="ko-KR" sz="2800" cap="none" dirty="0" smtClean="0" b="0">
+                <a:solidFill>
+                  <a:srgbClr val="555555"/>
+                </a:solidFill>
+                <a:latin typeface="Microsoft YaHei" charset="0"/>
+                <a:ea typeface="&quot;PingFang SC&quot;" charset="0"/>
+              </a:rPr>
+              <a:t>分类</a:t>
+            </a:r>
+            <a:endParaRPr lang="ko-KR" altLang="en-US" sz="2800" cap="none" dirty="0" smtClean="0" b="0">
+              <a:solidFill>
+                <a:srgbClr val="555555"/>
+              </a:solidFill>
+              <a:latin typeface="Microsoft YaHei" charset="0"/>
+              <a:ea typeface="&quot;PingFang SC&quot;" charset="0"/>
+            </a:endParaRPr>
+          </a:p>
+          <a:p>
+            <a:pPr marL="0" indent="0" algn="l" fontAlgn="auto" defTabSz="508000" eaLnBrk="0">
+              <a:lnSpc>
+                <a:spcPct val="90000"/>
+              </a:lnSpc>
+              <a:spcBef>
+                <a:spcPts val="0"/>
+              </a:spcBef>
+              <a:spcAft>
+                <a:spcPts val="0"/>
+              </a:spcAft>
+              <a:buFontTx/>
+              <a:buNone/>
+            </a:pPr>
+            <a:r>
+              <a:rPr lang="en-US" altLang="ko-KR" sz="2800" cap="none" dirty="0" smtClean="0" b="0">
+                <a:solidFill>
+                  <a:srgbClr val="555555"/>
+                </a:solidFill>
+                <a:latin typeface="Microsoft YaHei" charset="0"/>
+                <a:ea typeface="&quot;PingFang SC&quot;" charset="0"/>
+              </a:rPr>
+              <a:t>2.回归</a:t>
+            </a:r>
+            <a:endParaRPr lang="ko-KR" altLang="en-US" sz="2800" cap="none" dirty="0" smtClean="0" b="0">
+              <a:solidFill>
+                <a:srgbClr val="555555"/>
+              </a:solidFill>
+              <a:latin typeface="Microsoft YaHei" charset="0"/>
+              <a:ea typeface="&quot;PingFang SC&quot;" charset="0"/>
+            </a:endParaRPr>
+          </a:p>
+          <a:p>
+            <a:pPr marL="0" indent="0" algn="l" fontAlgn="auto" defTabSz="508000" eaLnBrk="0">
+              <a:lnSpc>
+                <a:spcPct val="90000"/>
+              </a:lnSpc>
+              <a:spcBef>
+                <a:spcPts val="0"/>
+              </a:spcBef>
+              <a:spcAft>
+                <a:spcPts val="0"/>
+              </a:spcAft>
+              <a:buFontTx/>
+              <a:buNone/>
+            </a:pPr>
+            <a:r>
+              <a:rPr lang="en-US" altLang="ko-KR" sz="2800" cap="none" dirty="0" smtClean="0" b="0">
+                <a:solidFill>
+                  <a:srgbClr val="555555"/>
+                </a:solidFill>
+                <a:latin typeface="Microsoft YaHei" charset="0"/>
+                <a:ea typeface="&quot;PingFang SC&quot;" charset="0"/>
+              </a:rPr>
+              <a:t>3.预测</a:t>
+            </a:r>
+            <a:endParaRPr lang="ko-KR" altLang="en-US" sz="2800" cap="none" dirty="0" smtClean="0" b="0">
+              <a:solidFill>
+                <a:schemeClr val="tx1"/>
+              </a:solidFill>
+              <a:latin typeface="Calibri" charset="0"/>
+              <a:ea typeface="Calibri" charset="0"/>
+            </a:endParaRPr>
+          </a:p>
+        </p:txBody>
+      </p:sp>
+    </p:spTree>
+  </p:cSld>
+  <p:clrMapOvr>
+    <a:masterClrMapping/>
+  </p:clrMapOvr>
+  <mc:AlternateContent xmlns:mc="http://schemas.openxmlformats.org/markup-compatibility/2006">
+    <mc:Choice xmlns:p14="http://schemas.microsoft.com/office/powerpoint/2010/main" Requires="p14">
+      <p:transition spd="slow" p14:dur="1000"/>
+    </mc:Choice>
+    <mc:Fallback>
+      <p:transition spd="slow"/>
+    </mc:Fallback>
+  </mc:AlternateContent>
+</p:sld>
+</file>
+
+<file path=ppt/slides/slide14.xml><?xml version="1.0" encoding="utf-8"?>
+<p:sld xmlns:a="http://schemas.openxmlformats.org/drawingml/2006/main" xmlns:r="http://schemas.openxmlformats.org/officeDocument/2006/relationships" xmlns:p="http://schemas.openxmlformats.org/presentationml/2006/main">
+  <p:cSld>
+    <p:spTree>
+      <p:nvGrpSpPr>
+        <p:cNvPr id="1" name=""/>
+        <p:cNvGrpSpPr/>
+        <p:nvPr/>
+      </p:nvGrpSpPr>
+      <p:grpSpPr>
+        <a:xfrm>
+          <a:off x="0" y="0"/>
+          <a:ext cx="0" cy="0"/>
+          <a:chOff x="0" y="0"/>
+          <a:chExt cx="0" cy="0"/>
+        </a:xfrm>
+      </p:grpSpPr>
+      <p:sp>
+        <p:nvSpPr>
+          <p:cNvPr id="2" name="文本占位符 1"/>
+          <p:cNvSpPr txBox="1">
+            <a:spLocks/>
+          </p:cNvSpPr>
+          <p:nvPr>
+            <p:ph type="title"/>
+          </p:nvPr>
+        </p:nvSpPr>
+        <p:spPr>
+          <a:xfrm rot="0">
+            <a:off x="457200" y="274320"/>
+            <a:ext cx="8230870" cy="1144270"/>
+          </a:xfrm>
+          <a:prstGeom prst="rect"/>
+        </p:spPr>
+        <p:txBody>
+          <a:bodyPr wrap="square" lIns="91440" tIns="45720" rIns="91440" bIns="45720" vert="horz" anchor="ctr">
+            <a:normAutofit fontScale="100000" lnSpcReduction="0"/>
+          </a:bodyPr>
+          <a:lstStyle/>
+          <a:p>
+            <a:pPr marL="0" indent="0" algn="l" fontAlgn="auto" defTabSz="508000" eaLnBrk="0">
+              <a:lnSpc>
+                <a:spcPct val="100000"/>
+              </a:lnSpc>
+              <a:spcBef>
+                <a:spcPts val="0"/>
+              </a:spcBef>
+              <a:spcAft>
+                <a:spcPts val="0"/>
+              </a:spcAft>
+              <a:buFontTx/>
+              <a:buNone/>
+            </a:pPr>
+            <a:r>
+              <a:rPr lang="en-US" altLang="ko-KR" sz="4400" cap="none" dirty="0" smtClean="0" b="0">
+                <a:solidFill>
+                  <a:schemeClr val="tx1"/>
+                </a:solidFill>
+                <a:latin typeface="Calibri" charset="0"/>
+                <a:ea typeface="Calibri" charset="0"/>
+              </a:rPr>
+              <a:t>半监督学习</a:t>
+            </a:r>
+            <a:endParaRPr lang="ko-KR" altLang="en-US" sz="4400" cap="none" dirty="0" smtClean="0" b="0">
+              <a:solidFill>
+                <a:schemeClr val="tx1"/>
+              </a:solidFill>
+              <a:latin typeface="Calibri" charset="0"/>
+              <a:ea typeface="Calibri" charset="0"/>
+            </a:endParaRPr>
+          </a:p>
+        </p:txBody>
+      </p:sp>
+      <p:sp>
+        <p:nvSpPr>
+          <p:cNvPr id="3" name="内容占位符 2"/>
+          <p:cNvSpPr txBox="1">
+            <a:spLocks/>
+          </p:cNvSpPr>
+          <p:nvPr>
+            <p:ph type="obj" idx="1"/>
+          </p:nvPr>
+        </p:nvSpPr>
+        <p:spPr>
+          <a:xfrm rot="0">
+            <a:off x="457200" y="1600200"/>
+            <a:ext cx="8230870" cy="4527550"/>
+          </a:xfrm>
+          <a:prstGeom prst="rect"/>
+        </p:spPr>
+        <p:txBody>
+          <a:bodyPr wrap="square" lIns="91440" tIns="45720" rIns="91440" bIns="45720" vert="horz" anchor="t">
+            <a:normAutofit fontScale="100000" lnSpcReduction="0"/>
+          </a:bodyPr>
+          <a:lstStyle/>
+          <a:p>
+            <a:pPr marL="0" indent="0" algn="l" fontAlgn="auto" defTabSz="508000" eaLnBrk="0">
+              <a:lnSpc>
+                <a:spcPct val="90000"/>
+              </a:lnSpc>
+              <a:spcBef>
+                <a:spcPts val="0"/>
+              </a:spcBef>
+              <a:spcAft>
+                <a:spcPts val="0"/>
+              </a:spcAft>
+              <a:buFontTx/>
+              <a:buNone/>
+            </a:pPr>
+            <a:r>
+              <a:rPr lang="en-US" altLang="ko-KR" sz="3600" cap="none" dirty="0" smtClean="0" b="0">
+                <a:solidFill>
+                  <a:schemeClr val="tx1"/>
+                </a:solidFill>
+                <a:latin typeface="Calibri" charset="0"/>
+                <a:ea typeface="Calibri" charset="0"/>
+              </a:rPr>
+              <a:t>监督学习带来的最大挑战是标注数据，这是一项非常耗时的工程而且非常昂贵。那么如果标签的数量有限，我们应该怎么办呢？我们可以使用一些非标记的数据来加强监督学习。</a:t>
+            </a:r>
+            <a:endParaRPr lang="ko-KR" altLang="en-US" sz="3600" cap="none" dirty="0" smtClean="0" b="0">
+              <a:solidFill>
+                <a:schemeClr val="tx1"/>
+              </a:solidFill>
+              <a:latin typeface="Calibri" charset="0"/>
+              <a:ea typeface="Calibri" charset="0"/>
+            </a:endParaRPr>
+          </a:p>
+        </p:txBody>
+      </p:sp>
+    </p:spTree>
+  </p:cSld>
+  <p:clrMapOvr>
+    <a:masterClrMapping/>
+  </p:clrMapOvr>
+  <mc:AlternateContent xmlns:mc="http://schemas.openxmlformats.org/markup-compatibility/2006">
+    <mc:Choice xmlns:p14="http://schemas.microsoft.com/office/powerpoint/2010/main" Requires="p14">
+      <p:transition spd="slow" p14:dur="1000"/>
+    </mc:Choice>
+    <mc:Fallback>
+      <p:transition spd="slow"/>
+    </mc:Fallback>
+  </mc:AlternateContent>
+</p:sld>
+</file>
+
+<file path=ppt/slides/slide15.xml><?xml version="1.0" encoding="utf-8"?>
+<p:sld xmlns:a="http://schemas.openxmlformats.org/drawingml/2006/main" xmlns:r="http://schemas.openxmlformats.org/officeDocument/2006/relationships" xmlns:p="http://schemas.openxmlformats.org/presentationml/2006/main">
+  <p:cSld>
+    <p:spTree>
+      <p:nvGrpSpPr>
+        <p:cNvPr id="1" name=""/>
+        <p:cNvGrpSpPr/>
+        <p:nvPr/>
+      </p:nvGrpSpPr>
+      <p:grpSpPr>
+        <a:xfrm>
+          <a:off x="0" y="0"/>
+          <a:ext cx="0" cy="0"/>
+          <a:chOff x="0" y="0"/>
+          <a:chExt cx="0" cy="0"/>
+        </a:xfrm>
+      </p:grpSpPr>
+      <p:sp>
+        <p:nvSpPr>
+          <p:cNvPr id="2" name="文本占位符 1"/>
+          <p:cNvSpPr txBox="1">
+            <a:spLocks/>
+          </p:cNvSpPr>
+          <p:nvPr>
+            <p:ph type="title"/>
+          </p:nvPr>
+        </p:nvSpPr>
+        <p:spPr>
+          <a:xfrm rot="0">
+            <a:off x="457200" y="274320"/>
+            <a:ext cx="8230870" cy="1144270"/>
+          </a:xfrm>
+          <a:prstGeom prst="rect"/>
+        </p:spPr>
+        <p:txBody>
+          <a:bodyPr wrap="square" lIns="91440" tIns="45720" rIns="91440" bIns="45720" vert="horz" anchor="ctr">
+            <a:normAutofit fontScale="100000" lnSpcReduction="0"/>
+          </a:bodyPr>
+          <a:lstStyle/>
+          <a:p>
+            <a:pPr marL="0" indent="0" algn="l" fontAlgn="auto" defTabSz="508000" eaLnBrk="0">
+              <a:lnSpc>
+                <a:spcPct val="100000"/>
+              </a:lnSpc>
+              <a:spcBef>
+                <a:spcPts val="0"/>
+              </a:spcBef>
+              <a:spcAft>
+                <a:spcPts val="0"/>
+              </a:spcAft>
+              <a:buFontTx/>
+              <a:buNone/>
+            </a:pPr>
+            <a:r>
+              <a:rPr lang="en-US" altLang="ko-KR" sz="4400" cap="none" dirty="0" smtClean="0" b="0">
+                <a:solidFill>
+                  <a:schemeClr val="tx1"/>
+                </a:solidFill>
+                <a:latin typeface="Calibri" charset="0"/>
+                <a:ea typeface="Calibri" charset="0"/>
+              </a:rPr>
+              <a:t>无监督学习</a:t>
+            </a:r>
+            <a:endParaRPr lang="ko-KR" altLang="en-US" sz="4400" cap="none" dirty="0" smtClean="0" b="0">
+              <a:solidFill>
+                <a:schemeClr val="tx1"/>
+              </a:solidFill>
+              <a:latin typeface="Calibri" charset="0"/>
+              <a:ea typeface="Calibri" charset="0"/>
+            </a:endParaRPr>
+          </a:p>
+        </p:txBody>
+      </p:sp>
+      <p:sp>
+        <p:nvSpPr>
+          <p:cNvPr id="3" name="内容占位符 2"/>
+          <p:cNvSpPr txBox="1">
+            <a:spLocks/>
+          </p:cNvSpPr>
+          <p:nvPr>
+            <p:ph type="obj" idx="1"/>
+          </p:nvPr>
+        </p:nvSpPr>
+        <p:spPr>
+          <a:xfrm rot="0">
+            <a:off x="457200" y="1600200"/>
+            <a:ext cx="8230870" cy="4527550"/>
+          </a:xfrm>
+          <a:prstGeom prst="rect"/>
+        </p:spPr>
+        <p:txBody>
+          <a:bodyPr wrap="square" lIns="91440" tIns="45720" rIns="91440" bIns="45720" vert="horz" anchor="t">
+            <a:normAutofit fontScale="100000" lnSpcReduction="0"/>
+          </a:bodyPr>
+          <a:lstStyle/>
+          <a:p>
+            <a:pPr marL="0" indent="0" algn="l" fontAlgn="auto" defTabSz="508000" eaLnBrk="0">
+              <a:lnSpc>
+                <a:spcPct val="90000"/>
+              </a:lnSpc>
+              <a:spcBef>
+                <a:spcPts val="0"/>
+              </a:spcBef>
+              <a:spcAft>
+                <a:spcPts val="0"/>
+              </a:spcAft>
+              <a:buFontTx/>
+              <a:buNone/>
+            </a:pPr>
+            <a:r>
+              <a:rPr lang="en-US" altLang="ko-KR" sz="3600" cap="none" dirty="0" smtClean="0" b="0">
+                <a:solidFill>
+                  <a:schemeClr val="tx1"/>
+                </a:solidFill>
+                <a:latin typeface="Calibri" charset="0"/>
+                <a:ea typeface="Calibri" charset="0"/>
+              </a:rPr>
+              <a:t>在使用无监督学习的时候，我们所使用的数据都是不用进行标记的。我们的算法模型会自动的去发现数据内在的一些模式，比如聚类结构，层次结构，稀疏树和图等等</a:t>
+            </a:r>
+            <a:endParaRPr lang="ko-KR" altLang="en-US" sz="3600" cap="none" dirty="0" smtClean="0" b="0">
+              <a:solidFill>
+                <a:schemeClr val="tx1"/>
+              </a:solidFill>
+              <a:latin typeface="Calibri" charset="0"/>
+              <a:ea typeface="Calibri" charset="0"/>
+            </a:endParaRPr>
+          </a:p>
+          <a:p>
+            <a:pPr marL="0" indent="0" algn="l" fontAlgn="auto" defTabSz="508000" eaLnBrk="0">
+              <a:lnSpc>
+                <a:spcPct val="90000"/>
+              </a:lnSpc>
+              <a:spcBef>
+                <a:spcPts val="0"/>
+              </a:spcBef>
+              <a:spcAft>
+                <a:spcPts val="0"/>
+              </a:spcAft>
+              <a:buFontTx/>
+              <a:buNone/>
+            </a:pPr>
+            <a:endParaRPr lang="ko-KR" altLang="en-US" sz="3600" cap="none" dirty="0" smtClean="0" b="0">
+              <a:solidFill>
+                <a:schemeClr val="tx1"/>
+              </a:solidFill>
+              <a:latin typeface="Calibri" charset="0"/>
+              <a:ea typeface="Calibri" charset="0"/>
+            </a:endParaRPr>
+          </a:p>
+          <a:p>
+            <a:pPr marL="0" indent="0" algn="l" fontAlgn="auto" defTabSz="508000" eaLnBrk="0">
+              <a:lnSpc>
+                <a:spcPct val="90000"/>
+              </a:lnSpc>
+              <a:spcBef>
+                <a:spcPts val="0"/>
+              </a:spcBef>
+              <a:spcAft>
+                <a:spcPts val="0"/>
+              </a:spcAft>
+              <a:buFontTx/>
+              <a:buNone/>
+            </a:pPr>
+            <a:r>
+              <a:rPr lang="en-US" altLang="ko-KR" sz="3600" cap="none" dirty="0" smtClean="0" b="0">
+                <a:solidFill>
+                  <a:schemeClr val="tx1"/>
+                </a:solidFill>
+                <a:latin typeface="Calibri" charset="0"/>
+                <a:ea typeface="Calibri" charset="0"/>
+              </a:rPr>
+              <a:t>1.</a:t>
+            </a:r>
+            <a:r>
+              <a:rPr lang="en-US" altLang="ko-KR" sz="3600" cap="none" dirty="0" smtClean="0" b="0">
+                <a:solidFill>
+                  <a:srgbClr val="555555"/>
+                </a:solidFill>
+                <a:latin typeface="Microsoft YaHei" charset="0"/>
+                <a:ea typeface="&quot;PingFang SC&quot;" charset="0"/>
+              </a:rPr>
+              <a:t>聚类</a:t>
+            </a:r>
+            <a:endParaRPr lang="ko-KR" altLang="en-US" sz="3600" cap="none" dirty="0" smtClean="0" b="0">
+              <a:solidFill>
+                <a:srgbClr val="555555"/>
+              </a:solidFill>
+              <a:latin typeface="Microsoft YaHei" charset="0"/>
+              <a:ea typeface="&quot;PingFang SC&quot;" charset="0"/>
+            </a:endParaRPr>
+          </a:p>
+          <a:p>
+            <a:pPr marL="0" indent="0" algn="l" fontAlgn="auto" defTabSz="508000" eaLnBrk="0">
+              <a:lnSpc>
+                <a:spcPct val="90000"/>
+              </a:lnSpc>
+              <a:spcBef>
+                <a:spcPts val="0"/>
+              </a:spcBef>
+              <a:spcAft>
+                <a:spcPts val="0"/>
+              </a:spcAft>
+              <a:buFontTx/>
+              <a:buNone/>
+            </a:pPr>
+            <a:r>
+              <a:rPr lang="en-US" altLang="ko-KR" sz="3600" cap="none" dirty="0" smtClean="0" b="0">
+                <a:solidFill>
+                  <a:srgbClr val="555555"/>
+                </a:solidFill>
+                <a:latin typeface="Microsoft YaHei" charset="0"/>
+                <a:ea typeface="&quot;PingFang SC&quot;" charset="0"/>
+              </a:rPr>
+              <a:t>2.降维</a:t>
+            </a:r>
+            <a:endParaRPr lang="ko-KR" altLang="en-US" sz="3600" cap="none" dirty="0" smtClean="0" b="0">
+              <a:solidFill>
+                <a:schemeClr val="tx1"/>
+              </a:solidFill>
+              <a:latin typeface="Calibri" charset="0"/>
+              <a:ea typeface="Calibri" charset="0"/>
+            </a:endParaRPr>
+          </a:p>
+        </p:txBody>
+      </p:sp>
+    </p:spTree>
+  </p:cSld>
+  <p:clrMapOvr>
+    <a:masterClrMapping/>
+  </p:clrMapOvr>
+  <mc:AlternateContent xmlns:mc="http://schemas.openxmlformats.org/markup-compatibility/2006">
+    <mc:Choice xmlns:p14="http://schemas.microsoft.com/office/powerpoint/2010/main" Requires="p14">
+      <p:transition spd="slow" p14:dur="1000"/>
+    </mc:Choice>
+    <mc:Fallback>
+      <p:transition spd="slow"/>
+    </mc:Fallback>
+  </mc:AlternateContent>
+</p:sld>
+</file>
+
+<file path=ppt/slides/slide16.xml><?xml version="1.0" encoding="utf-8"?>
+<p:sld xmlns:a="http://schemas.openxmlformats.org/drawingml/2006/main" xmlns:r="http://schemas.openxmlformats.org/officeDocument/2006/relationships" xmlns:p="http://schemas.openxmlformats.org/presentationml/2006/main">
+  <p:cSld>
+    <p:spTree>
+      <p:nvGrpSpPr>
+        <p:cNvPr id="1" name=""/>
+        <p:cNvGrpSpPr/>
+        <p:nvPr/>
+      </p:nvGrpSpPr>
+      <p:grpSpPr>
+        <a:xfrm>
+          <a:off x="0" y="0"/>
+          <a:ext cx="0" cy="0"/>
+          <a:chOff x="0" y="0"/>
+          <a:chExt cx="0" cy="0"/>
+        </a:xfrm>
+      </p:grpSpPr>
+      <p:sp>
+        <p:nvSpPr>
+          <p:cNvPr id="2" name="文本占位符 1"/>
+          <p:cNvSpPr txBox="1">
+            <a:spLocks/>
+          </p:cNvSpPr>
+          <p:nvPr>
+            <p:ph type="title"/>
+          </p:nvPr>
+        </p:nvSpPr>
+        <p:spPr>
+          <a:xfrm rot="0">
+            <a:off x="457200" y="274320"/>
+            <a:ext cx="8230870" cy="1144270"/>
+          </a:xfrm>
+          <a:prstGeom prst="rect"/>
+        </p:spPr>
+        <p:txBody>
+          <a:bodyPr wrap="square" lIns="91440" tIns="45720" rIns="91440" bIns="45720" vert="horz" anchor="ctr">
+            <a:normAutofit fontScale="100000" lnSpcReduction="0"/>
+          </a:bodyPr>
+          <a:lstStyle/>
+          <a:p>
+            <a:pPr marL="0" indent="0" algn="l" fontAlgn="auto" defTabSz="508000" eaLnBrk="0">
+              <a:lnSpc>
+                <a:spcPct val="100000"/>
+              </a:lnSpc>
+              <a:spcBef>
+                <a:spcPts val="0"/>
+              </a:spcBef>
+              <a:spcAft>
+                <a:spcPts val="0"/>
+              </a:spcAft>
+              <a:buFontTx/>
+              <a:buNone/>
+            </a:pPr>
+            <a:r>
+              <a:rPr lang="en-US" altLang="ko-KR" sz="4400" cap="none" dirty="0" smtClean="0" b="0">
+                <a:solidFill>
+                  <a:schemeClr val="tx1"/>
+                </a:solidFill>
+                <a:latin typeface="Calibri" charset="0"/>
+                <a:ea typeface="Calibri" charset="0"/>
+              </a:rPr>
+              <a:t>强化学习</a:t>
+            </a:r>
+            <a:endParaRPr lang="ko-KR" altLang="en-US" sz="4400" cap="none" dirty="0" smtClean="0" b="0">
+              <a:solidFill>
+                <a:schemeClr val="tx1"/>
+              </a:solidFill>
+              <a:latin typeface="Calibri" charset="0"/>
+              <a:ea typeface="Calibri" charset="0"/>
+            </a:endParaRPr>
+          </a:p>
+        </p:txBody>
+      </p:sp>
+      <p:sp>
+        <p:nvSpPr>
+          <p:cNvPr id="3" name="内容占位符 2"/>
+          <p:cNvSpPr txBox="1">
+            <a:spLocks/>
+          </p:cNvSpPr>
+          <p:nvPr>
+            <p:ph type="obj" idx="1"/>
+          </p:nvPr>
+        </p:nvSpPr>
+        <p:spPr>
+          <a:xfrm rot="0">
+            <a:off x="457200" y="1600200"/>
+            <a:ext cx="8230870" cy="4527550"/>
+          </a:xfrm>
+          <a:prstGeom prst="rect"/>
+        </p:spPr>
+        <p:txBody>
+          <a:bodyPr wrap="square" lIns="91440" tIns="45720" rIns="91440" bIns="45720" vert="horz" anchor="t">
+            <a:normAutofit fontScale="100000" lnSpcReduction="0"/>
+          </a:bodyPr>
+          <a:lstStyle/>
+          <a:p>
+            <a:pPr marL="0" indent="0" algn="l" fontAlgn="auto" defTabSz="508000" eaLnBrk="0">
+              <a:lnSpc>
+                <a:spcPct val="90000"/>
+              </a:lnSpc>
+              <a:spcBef>
+                <a:spcPts val="0"/>
+              </a:spcBef>
+              <a:spcAft>
+                <a:spcPts val="0"/>
+              </a:spcAft>
+              <a:buFontTx/>
+              <a:buNone/>
+            </a:pPr>
+            <a:r>
+              <a:rPr lang="en-US" altLang="ko-KR" sz="3600" cap="none" spc="110" dirty="0" smtClean="0" b="0">
+                <a:solidFill>
+                  <a:srgbClr val="555555"/>
+                </a:solidFill>
+                <a:latin typeface="Microsoft YaHei" charset="0"/>
+                <a:ea typeface="&quot;PingFang SC&quot;" charset="0"/>
+              </a:rPr>
+              <a:t>强化学习是根据环境对智能体的反馈来分析和优化智能体的行为。智能体根据不同的场景会去尝试不同的动作，然后分析不同动作所会带来什么的回报，选取其中最大回报作为所采取的最终动作。</a:t>
+            </a:r>
+            <a:endParaRPr lang="ko-KR" altLang="en-US" sz="3600" cap="none" dirty="0" smtClean="0" b="0">
+              <a:solidFill>
+                <a:srgbClr val="555555"/>
+              </a:solidFill>
+              <a:latin typeface="Microsoft YaHei" charset="0"/>
+              <a:ea typeface="&quot;PingFang SC&quot;" charset="0"/>
+            </a:endParaRPr>
+          </a:p>
+          <a:p>
+            <a:pPr marL="228600" indent="-228600" algn="l" fontAlgn="auto" defTabSz="508000" eaLnBrk="0">
+              <a:lnSpc>
+                <a:spcPct val="90000"/>
+              </a:lnSpc>
+              <a:spcBef>
+                <a:spcPts val="0"/>
+              </a:spcBef>
+              <a:spcAft>
+                <a:spcPts val="0"/>
+              </a:spcAft>
+            </a:pPr>
+            <a:endParaRPr lang="ko-KR" altLang="en-US" sz="3600" cap="none" dirty="0" smtClean="0" b="0">
+              <a:solidFill>
+                <a:srgbClr val="555555"/>
+              </a:solidFill>
+              <a:latin typeface="Microsoft YaHei" charset="0"/>
+              <a:ea typeface="&quot;PingFang SC&quot;" charset="0"/>
+            </a:endParaRPr>
+          </a:p>
+          <a:p>
+            <a:pPr marL="228600" indent="-228600" algn="l" fontAlgn="auto" defTabSz="508000" eaLnBrk="0">
+              <a:lnSpc>
+                <a:spcPct val="90000"/>
+              </a:lnSpc>
+              <a:spcBef>
+                <a:spcPts val="0"/>
+              </a:spcBef>
+              <a:spcAft>
+                <a:spcPts val="0"/>
+              </a:spcAft>
+            </a:pPr>
+            <a:r>
+              <a:rPr lang="en-US" altLang="ko-KR" sz="3600" cap="none" spc="110" dirty="0" smtClean="0" b="0">
+                <a:solidFill>
+                  <a:srgbClr val="555555"/>
+                </a:solidFill>
+                <a:latin typeface="Microsoft YaHei" charset="0"/>
+                <a:ea typeface="&quot;PingFang SC&quot;" charset="0"/>
+              </a:rPr>
+              <a:t>反复试错和奖励机制是强化学习和别的算法最不同的地方。</a:t>
+            </a:r>
+            <a:endParaRPr lang="ko-KR" altLang="en-US" sz="3600" cap="none" dirty="0" smtClean="0" b="0">
+              <a:solidFill>
+                <a:srgbClr val="555555"/>
+              </a:solidFill>
+              <a:latin typeface="Microsoft YaHei" charset="0"/>
+              <a:ea typeface="&quot;PingFang SC&quot;" charset="0"/>
+            </a:endParaRPr>
+          </a:p>
+          <a:p>
+            <a:pPr marL="228600" indent="-228600" algn="l" fontAlgn="auto" defTabSz="508000" eaLnBrk="0">
+              <a:lnSpc>
+                <a:spcPct val="90000"/>
+              </a:lnSpc>
+              <a:spcBef>
+                <a:spcPts val="0"/>
+              </a:spcBef>
+              <a:spcAft>
+                <a:spcPts val="0"/>
+              </a:spcAft>
+            </a:pPr>
+            <a:endParaRPr lang="ko-KR" altLang="en-US" sz="3600" cap="none" dirty="0" smtClean="0" b="0">
+              <a:solidFill>
+                <a:schemeClr val="tx1"/>
+              </a:solidFill>
+              <a:latin typeface="Calibri" charset="0"/>
+              <a:ea typeface="Calibri" charset="0"/>
+            </a:endParaRPr>
+          </a:p>
+        </p:txBody>
+      </p:sp>
+    </p:spTree>
+  </p:cSld>
+  <p:clrMapOvr>
+    <a:masterClrMapping/>
+  </p:clrMapOvr>
+  <mc:AlternateContent xmlns:mc="http://schemas.openxmlformats.org/markup-compatibility/2006">
+    <mc:Choice xmlns:p14="http://schemas.microsoft.com/office/powerpoint/2010/main" Requires="p14">
+      <p:transition spd="slow" p14:dur="1000"/>
+    </mc:Choice>
+    <mc:Fallback>
+      <p:transition spd="slow"/>
+    </mc:Fallback>
+  </mc:AlternateContent>
+</p:sld>
+</file>
+
+<file path=ppt/slides/slide17.xml><?xml version="1.0" encoding="utf-8"?>
+<p:sld xmlns:a="http://schemas.openxmlformats.org/drawingml/2006/main" xmlns:r="http://schemas.openxmlformats.org/officeDocument/2006/relationships" xmlns:p="http://schemas.openxmlformats.org/presentationml/2006/main">
+  <p:cSld>
+    <p:spTree>
+      <p:nvGrpSpPr>
+        <p:cNvPr id="1" name=""/>
+        <p:cNvGrpSpPr/>
+        <p:nvPr/>
+      </p:nvGrpSpPr>
+      <p:grpSpPr>
+        <a:xfrm>
+          <a:off x="0" y="0"/>
+          <a:ext cx="0" cy="0"/>
+          <a:chOff x="0" y="0"/>
+          <a:chExt cx="0" cy="0"/>
+        </a:xfrm>
+      </p:grpSpPr>
+      <p:sp>
+        <p:nvSpPr>
+          <p:cNvPr id="2" name="文本占位符 1"/>
+          <p:cNvSpPr txBox="1">
+            <a:spLocks/>
+          </p:cNvSpPr>
+          <p:nvPr>
+            <p:ph type="title"/>
+          </p:nvPr>
+        </p:nvSpPr>
+        <p:spPr>
+          <a:xfrm rot="0">
+            <a:off x="457200" y="274320"/>
+            <a:ext cx="8230870" cy="1144270"/>
+          </a:xfrm>
+          <a:prstGeom prst="rect"/>
+        </p:spPr>
+        <p:txBody>
+          <a:bodyPr wrap="square" lIns="91440" tIns="45720" rIns="91440" bIns="45720" vert="horz" anchor="ctr">
+            <a:normAutofit fontScale="100000" lnSpcReduction="0"/>
+          </a:bodyPr>
+          <a:lstStyle/>
+          <a:p>
+            <a:pPr marL="0" indent="0" algn="l" fontAlgn="auto" defTabSz="508000" eaLnBrk="0">
+              <a:lnSpc>
+                <a:spcPct val="100000"/>
+              </a:lnSpc>
+              <a:spcBef>
+                <a:spcPts val="0"/>
+              </a:spcBef>
+              <a:spcAft>
+                <a:spcPts val="0"/>
+              </a:spcAft>
+              <a:buFontTx/>
+              <a:buNone/>
+            </a:pPr>
+            <a:r>
+              <a:rPr lang="en-US" altLang="ko-KR" sz="4400" cap="none" dirty="0" smtClean="0" b="0">
+                <a:solidFill>
+                  <a:schemeClr val="tx1"/>
+                </a:solidFill>
+                <a:latin typeface="Calibri" charset="0"/>
+                <a:ea typeface="Calibri" charset="0"/>
+              </a:rPr>
+              <a:t>评估</a:t>
+            </a:r>
+            <a:endParaRPr lang="ko-KR" altLang="en-US" sz="4400" cap="none" dirty="0" smtClean="0" b="0">
+              <a:solidFill>
+                <a:schemeClr val="tx1"/>
+              </a:solidFill>
+              <a:latin typeface="Calibri" charset="0"/>
+              <a:ea typeface="Calibri" charset="0"/>
+            </a:endParaRPr>
+          </a:p>
+        </p:txBody>
+      </p:sp>
+      <p:sp>
+        <p:nvSpPr>
+          <p:cNvPr id="3" name="内容占位符 2"/>
+          <p:cNvSpPr txBox="1">
+            <a:spLocks/>
+          </p:cNvSpPr>
+          <p:nvPr>
+            <p:ph type="obj" idx="1"/>
+          </p:nvPr>
+        </p:nvSpPr>
+        <p:spPr>
+          <a:xfrm rot="0">
+            <a:off x="457200" y="1600200"/>
+            <a:ext cx="8230870" cy="4527550"/>
+          </a:xfrm>
+          <a:prstGeom prst="rect"/>
+        </p:spPr>
+        <p:txBody>
+          <a:bodyPr wrap="square" lIns="91440" tIns="45720" rIns="91440" bIns="45720" vert="horz" anchor="t">
+            <a:normAutofit fontScale="100000" lnSpcReduction="0"/>
+          </a:bodyPr>
+          <a:lstStyle/>
+          <a:p>
+            <a:pPr marL="0" indent="0" algn="l" fontAlgn="auto" defTabSz="508000" eaLnBrk="0">
+              <a:lnSpc>
+                <a:spcPct val="90000"/>
+              </a:lnSpc>
+              <a:spcBef>
+                <a:spcPts val="0"/>
+              </a:spcBef>
+              <a:spcAft>
+                <a:spcPts val="0"/>
+              </a:spcAft>
+              <a:buFontTx/>
+              <a:buNone/>
+            </a:pPr>
+            <a:r>
+              <a:rPr lang="en-US" altLang="ko-KR" sz="3600" cap="none" dirty="0" smtClean="0" b="0">
+                <a:solidFill>
+                  <a:schemeClr val="tx1"/>
+                </a:solidFill>
+                <a:latin typeface="Calibri" charset="0"/>
+                <a:ea typeface="Calibri" charset="0"/>
+              </a:rPr>
+              <a:t>1.错误率与精度</a:t>
+            </a:r>
+            <a:endParaRPr lang="ko-KR" altLang="en-US" sz="3600" cap="none" dirty="0" smtClean="0" b="0">
+              <a:solidFill>
+                <a:schemeClr val="tx1"/>
+              </a:solidFill>
+              <a:latin typeface="Calibri" charset="0"/>
+              <a:ea typeface="Calibri" charset="0"/>
+            </a:endParaRPr>
+          </a:p>
+          <a:p>
+            <a:pPr marL="0" indent="0" algn="l" fontAlgn="auto" defTabSz="508000" eaLnBrk="0">
+              <a:lnSpc>
+                <a:spcPct val="90000"/>
+              </a:lnSpc>
+              <a:spcBef>
+                <a:spcPts val="0"/>
+              </a:spcBef>
+              <a:spcAft>
+                <a:spcPts val="0"/>
+              </a:spcAft>
+              <a:buFontTx/>
+              <a:buNone/>
+            </a:pPr>
+            <a:r>
+              <a:rPr lang="en-US" altLang="ko-KR" sz="3600" cap="none" dirty="0" smtClean="0" b="0">
+                <a:solidFill>
+                  <a:schemeClr val="tx1"/>
+                </a:solidFill>
+                <a:latin typeface="Calibri" charset="0"/>
+                <a:ea typeface="Calibri" charset="0"/>
+              </a:rPr>
+              <a:t>2.查准率、查全率</a:t>
+            </a:r>
+            <a:endParaRPr lang="ko-KR" altLang="en-US" sz="3600" cap="none" dirty="0" smtClean="0" b="0">
+              <a:solidFill>
+                <a:schemeClr val="tx1"/>
+              </a:solidFill>
+              <a:latin typeface="Calibri" charset="0"/>
+              <a:ea typeface="Calibri" charset="0"/>
+            </a:endParaRPr>
+          </a:p>
+          <a:p>
+            <a:pPr marL="0" indent="0" algn="l" fontAlgn="auto" defTabSz="508000" eaLnBrk="0">
+              <a:lnSpc>
+                <a:spcPct val="90000"/>
+              </a:lnSpc>
+              <a:spcBef>
+                <a:spcPts val="0"/>
+              </a:spcBef>
+              <a:spcAft>
+                <a:spcPts val="0"/>
+              </a:spcAft>
+              <a:buFontTx/>
+              <a:buNone/>
+            </a:pPr>
+            <a:r>
+              <a:rPr lang="en-US" altLang="ko-KR" sz="3600" cap="none" dirty="0" smtClean="0" b="0">
+                <a:solidFill>
+                  <a:schemeClr val="tx1"/>
+                </a:solidFill>
+                <a:latin typeface="Calibri" charset="0"/>
+                <a:ea typeface="Calibri" charset="0"/>
+              </a:rPr>
+              <a:t>3.交叉验证</a:t>
+            </a:r>
+            <a:endParaRPr lang="ko-KR" altLang="en-US" sz="3600" cap="none" dirty="0" smtClean="0" b="0">
+              <a:solidFill>
+                <a:schemeClr val="tx1"/>
+              </a:solidFill>
+              <a:latin typeface="Calibri" charset="0"/>
+              <a:ea typeface="Calibri" charset="0"/>
+            </a:endParaRPr>
+          </a:p>
+          <a:p>
+            <a:pPr marL="0" indent="0" algn="l" fontAlgn="auto" defTabSz="508000" eaLnBrk="0">
+              <a:lnSpc>
+                <a:spcPct val="90000"/>
+              </a:lnSpc>
+              <a:spcBef>
+                <a:spcPts val="0"/>
+              </a:spcBef>
+              <a:spcAft>
+                <a:spcPts val="0"/>
+              </a:spcAft>
+              <a:buFontTx/>
+              <a:buNone/>
+            </a:pPr>
+            <a:r>
+              <a:rPr lang="en-US" altLang="ko-KR" sz="3600" cap="none" dirty="0" smtClean="0" b="0">
+                <a:solidFill>
+                  <a:schemeClr val="tx1"/>
+                </a:solidFill>
+                <a:latin typeface="Calibri" charset="0"/>
+                <a:ea typeface="Calibri" charset="0"/>
+              </a:rPr>
+              <a:t>4.其他...</a:t>
+            </a:r>
+            <a:endParaRPr lang="ko-KR" altLang="en-US" sz="3600" cap="none" dirty="0" smtClean="0" b="0">
+              <a:solidFill>
+                <a:schemeClr val="tx1"/>
+              </a:solidFill>
+              <a:latin typeface="Calibri" charset="0"/>
+              <a:ea typeface="Calibri" charset="0"/>
+            </a:endParaRPr>
+          </a:p>
+        </p:txBody>
+      </p:sp>
+    </p:spTree>
+  </p:cSld>
+  <p:clrMapOvr>
+    <a:masterClrMapping/>
+  </p:clrMapOvr>
+  <mc:AlternateContent xmlns:mc="http://schemas.openxmlformats.org/markup-compatibility/2006">
+    <mc:Choice xmlns:p14="http://schemas.microsoft.com/office/powerpoint/2010/main" Requires="p14">
+      <p:transition spd="slow" p14:dur="1000"/>
+    </mc:Choice>
+    <mc:Fallback>
+      <p:transition spd="slow"/>
+    </mc:Fallback>
+  </mc:AlternateContent>
+</p:sld>
+</file>
+
+<file path=ppt/slides/slide18.xml><?xml version="1.0" encoding="utf-8"?>
+<p:sld xmlns:a="http://schemas.openxmlformats.org/drawingml/2006/main" xmlns:r="http://schemas.openxmlformats.org/officeDocument/2006/relationships" xmlns:p="http://schemas.openxmlformats.org/presentationml/2006/main">
+  <p:cSld>
+    <p:spTree>
+      <p:nvGrpSpPr>
+        <p:cNvPr id="1" name=""/>
+        <p:cNvGrpSpPr/>
+        <p:nvPr/>
+      </p:nvGrpSpPr>
+      <p:grpSpPr>
+        <a:xfrm>
+          <a:off x="0" y="0"/>
+          <a:ext cx="0" cy="0"/>
+          <a:chOff x="0" y="0"/>
+          <a:chExt cx="0" cy="0"/>
+        </a:xfrm>
+      </p:grpSpPr>
+      <p:sp>
+        <p:nvSpPr>
+          <p:cNvPr id="2" name="文本占位符 1"/>
+          <p:cNvSpPr txBox="1">
+            <a:spLocks/>
+          </p:cNvSpPr>
+          <p:nvPr>
+            <p:ph type="title"/>
+          </p:nvPr>
+        </p:nvSpPr>
+        <p:spPr>
+          <a:xfrm rot="0">
+            <a:off x="457200" y="274320"/>
+            <a:ext cx="8230870" cy="1144270"/>
+          </a:xfrm>
+          <a:prstGeom prst="rect"/>
+        </p:spPr>
+        <p:txBody>
+          <a:bodyPr wrap="square" lIns="91440" tIns="45720" rIns="91440" bIns="45720" vert="horz" anchor="ctr">
+            <a:normAutofit fontScale="100000" lnSpcReduction="0"/>
+          </a:bodyPr>
+          <a:lstStyle/>
+          <a:p>
+            <a:pPr marL="0" indent="0" algn="l" fontAlgn="auto" defTabSz="508000" eaLnBrk="0">
+              <a:lnSpc>
+                <a:spcPct val="100000"/>
+              </a:lnSpc>
+              <a:spcBef>
+                <a:spcPts val="0"/>
+              </a:spcBef>
+              <a:spcAft>
+                <a:spcPts val="0"/>
+              </a:spcAft>
+              <a:buFontTx/>
+              <a:buNone/>
+            </a:pPr>
+            <a:r>
+              <a:rPr lang="en-US" altLang="ko-KR" sz="4400" cap="none" dirty="0" smtClean="0" b="0">
+                <a:solidFill>
+                  <a:schemeClr val="tx1"/>
+                </a:solidFill>
+                <a:latin typeface="Calibri" charset="0"/>
+                <a:ea typeface="Calibri" charset="0"/>
+              </a:rPr>
+              <a:t>调参</a:t>
+            </a:r>
+            <a:endParaRPr lang="ko-KR" altLang="en-US" sz="4400" cap="none" dirty="0" smtClean="0" b="0">
+              <a:solidFill>
+                <a:schemeClr val="tx1"/>
+              </a:solidFill>
+              <a:latin typeface="Calibri" charset="0"/>
+              <a:ea typeface="Calibri" charset="0"/>
+            </a:endParaRPr>
+          </a:p>
+        </p:txBody>
+      </p:sp>
+      <p:sp>
+        <p:nvSpPr>
+          <p:cNvPr id="3" name="内容占位符 2"/>
+          <p:cNvSpPr txBox="1">
+            <a:spLocks/>
+          </p:cNvSpPr>
+          <p:nvPr>
+            <p:ph type="obj" idx="1"/>
+          </p:nvPr>
+        </p:nvSpPr>
+        <p:spPr>
+          <a:xfrm rot="0">
+            <a:off x="457200" y="1600200"/>
+            <a:ext cx="8230870" cy="4527550"/>
+          </a:xfrm>
+          <a:prstGeom prst="rect"/>
+        </p:spPr>
+        <p:txBody>
+          <a:bodyPr wrap="square" lIns="91440" tIns="45720" rIns="91440" bIns="45720" vert="horz" anchor="t">
+            <a:normAutofit fontScale="100000" lnSpcReduction="0"/>
+          </a:bodyPr>
+          <a:lstStyle/>
+          <a:p>
+            <a:pPr marL="0" indent="0" algn="l" fontAlgn="auto" defTabSz="508000" eaLnBrk="0">
+              <a:lnSpc>
+                <a:spcPct val="90000"/>
+              </a:lnSpc>
+              <a:spcBef>
+                <a:spcPts val="0"/>
+              </a:spcBef>
+              <a:spcAft>
+                <a:spcPts val="0"/>
+              </a:spcAft>
+              <a:buFontTx/>
+              <a:buNone/>
+            </a:pPr>
+            <a:r>
+              <a:rPr lang="en-US" altLang="ko-KR" sz="3600" cap="none" dirty="0" smtClean="0" b="0">
+                <a:solidFill>
+                  <a:schemeClr val="tx1"/>
+                </a:solidFill>
+                <a:latin typeface="Calibri" charset="0"/>
+                <a:ea typeface="Calibri" charset="0"/>
+              </a:rPr>
+              <a:t>1.随机</a:t>
+            </a:r>
+            <a:endParaRPr lang="ko-KR" altLang="en-US" sz="3600" cap="none" dirty="0" smtClean="0" b="0">
+              <a:solidFill>
+                <a:schemeClr val="tx1"/>
+              </a:solidFill>
+              <a:latin typeface="Calibri" charset="0"/>
+              <a:ea typeface="Calibri" charset="0"/>
+            </a:endParaRPr>
+          </a:p>
+          <a:p>
+            <a:pPr marL="0" indent="0" algn="l" fontAlgn="auto" defTabSz="508000" eaLnBrk="0">
+              <a:lnSpc>
+                <a:spcPct val="90000"/>
+              </a:lnSpc>
+              <a:spcBef>
+                <a:spcPts val="0"/>
+              </a:spcBef>
+              <a:spcAft>
+                <a:spcPts val="0"/>
+              </a:spcAft>
+              <a:buFontTx/>
+              <a:buNone/>
+            </a:pPr>
+            <a:r>
+              <a:rPr lang="en-US" altLang="ko-KR" sz="3600" cap="none" dirty="0" smtClean="0" b="0">
+                <a:solidFill>
+                  <a:schemeClr val="tx1"/>
+                </a:solidFill>
+                <a:latin typeface="Calibri" charset="0"/>
+                <a:ea typeface="Calibri" charset="0"/>
+              </a:rPr>
+              <a:t>2.穷举</a:t>
+            </a:r>
+            <a:endParaRPr lang="ko-KR" altLang="en-US" sz="3600" cap="none" dirty="0" smtClean="0" b="0">
+              <a:solidFill>
+                <a:schemeClr val="tx1"/>
+              </a:solidFill>
+              <a:latin typeface="Calibri" charset="0"/>
+              <a:ea typeface="Calibri" charset="0"/>
+            </a:endParaRPr>
+          </a:p>
+          <a:p>
+            <a:pPr marL="0" indent="0" algn="l" fontAlgn="auto" defTabSz="508000" eaLnBrk="0">
+              <a:lnSpc>
+                <a:spcPct val="90000"/>
+              </a:lnSpc>
+              <a:spcBef>
+                <a:spcPts val="0"/>
+              </a:spcBef>
+              <a:spcAft>
+                <a:spcPts val="0"/>
+              </a:spcAft>
+              <a:buFontTx/>
+              <a:buNone/>
+            </a:pPr>
+            <a:r>
+              <a:rPr lang="en-US" altLang="ko-KR" sz="3600" cap="none" dirty="0" smtClean="0" b="0">
+                <a:solidFill>
+                  <a:schemeClr val="tx1"/>
+                </a:solidFill>
+                <a:latin typeface="Calibri" charset="0"/>
+                <a:ea typeface="Calibri" charset="0"/>
+              </a:rPr>
+              <a:t>3.手动</a:t>
+            </a:r>
+            <a:endParaRPr lang="ko-KR" altLang="en-US" sz="3600" cap="none" dirty="0" smtClean="0" b="0">
+              <a:solidFill>
+                <a:schemeClr val="tx1"/>
+              </a:solidFill>
+              <a:latin typeface="Calibri" charset="0"/>
+              <a:ea typeface="Calibri" charset="0"/>
+            </a:endParaRPr>
+          </a:p>
+        </p:txBody>
+      </p:sp>
+    </p:spTree>
+  </p:cSld>
+  <p:clrMapOvr>
+    <a:masterClrMapping/>
+  </p:clrMapOvr>
+  <mc:AlternateContent xmlns:mc="http://schemas.openxmlformats.org/markup-compatibility/2006">
+    <mc:Choice xmlns:p14="http://schemas.microsoft.com/office/powerpoint/2010/main" Requires="p14">
+      <p:transition spd="slow" p14:dur="1000"/>
+    </mc:Choice>
+    <mc:Fallback>
+      <p:transition spd="slow"/>
+    </mc:Fallback>
+  </mc:AlternateContent>
+</p:sld>
+</file>
+
+<file path=ppt/slides/slide19.xml><?xml version="1.0" encoding="utf-8"?>
+<p:sld xmlns:a="http://schemas.openxmlformats.org/drawingml/2006/main" xmlns:r="http://schemas.openxmlformats.org/officeDocument/2006/relationships" xmlns:p="http://schemas.openxmlformats.org/presentationml/2006/main">
+  <p:cSld>
+    <p:spTree>
+      <p:nvGrpSpPr>
+        <p:cNvPr id="1" name=""/>
+        <p:cNvGrpSpPr/>
+        <p:nvPr/>
+      </p:nvGrpSpPr>
+      <p:grpSpPr>
+        <a:xfrm>
+          <a:off x="0" y="0"/>
+          <a:ext cx="0" cy="0"/>
+          <a:chOff x="0" y="0"/>
+          <a:chExt cx="0" cy="0"/>
+        </a:xfrm>
+      </p:grpSpPr>
+      <p:pic>
+        <p:nvPicPr>
+          <p:cNvPr id="2" name="图片 1" descr="C:/Users/Kenshin/AppData/Roaming/JisuOffice/ETemp/7564_13633600/fImage1351351608467.png"/>
+          <p:cNvPicPr>
+            <a:picLocks noChangeAspect="1"/>
+          </p:cNvPicPr>
+          <p:nvPr/>
+        </p:nvPicPr>
+        <p:blipFill rotWithShape="1">
+          <a:blip r:embed="rId2">
+            <a:extLst>
+              <a:ext uri="{28A0092B-C50C-407E-A947-70E740481C1C}">
+                <a14:useLocalDpi xmlns:a14="http://schemas.microsoft.com/office/drawing/2010/main" val="0"/>
+              </a:ext>
+            </a:extLst>
+          </a:blip>
+          <a:stretch>
+            <a:fillRect/>
+          </a:stretch>
+        </p:blipFill>
+        <p:spPr>
+          <a:xfrm rot="0">
+            <a:off x="0" y="763270"/>
+            <a:ext cx="9144635" cy="5344160"/>
+          </a:xfrm>
+          <a:prstGeom prst="rect"/>
+          <a:noFill/>
+        </p:spPr>
+      </p:pic>
+    </p:spTree>
+  </p:cSld>
+  <p:clrMapOvr>
+    <a:masterClrMapping/>
+  </p:clrMapOvr>
+  <mc:AlternateContent xmlns:mc="http://schemas.openxmlformats.org/markup-compatibility/2006">
+    <mc:Choice xmlns:p14="http://schemas.microsoft.com/office/powerpoint/2010/main" Requires="p14">
+      <p:transition spd="slow" p14:dur="1000"/>
+    </mc:Choice>
+    <mc:Fallback>
+      <p:transition spd="slow"/>
+    </mc:Fallback>
+  </mc:AlternateContent>
+</p:sld>
+</file>
+
 <file path=ppt/slides/slide2.xml><?xml version="1.0" encoding="utf-8"?>
 <p:sld xmlns:a="http://schemas.openxmlformats.org/drawingml/2006/main" xmlns:r="http://schemas.openxmlformats.org/officeDocument/2006/relationships" xmlns:p="http://schemas.openxmlformats.org/presentationml/2006/main" xmlns:p14="http://schemas.microsoft.com/office/powerpoint/2010/main">
   <p:cSld>
@@ -5709,7 +7624,7 @@
 </p:sld>
 </file>
 
-<file path=ppt/slides/slide3.xml><?xml version="1.0" encoding="utf-8"?>
+<file path=ppt/slides/slide20.xml><?xml version="1.0" encoding="utf-8"?>
 <p:sld xmlns:a="http://schemas.openxmlformats.org/drawingml/2006/main" xmlns:r="http://schemas.openxmlformats.org/officeDocument/2006/relationships" xmlns:p="http://schemas.openxmlformats.org/presentationml/2006/main">
   <p:cSld>
     <p:spTree>
@@ -5726,236 +7641,35 @@
           <a:chExt cx="0" cy="0"/>
         </a:xfrm>
       </p:grpSpPr>
-      <p:sp>
-        <p:nvSpPr>
-          <p:cNvPr id="2" name="文本占位符 1"/>
-          <p:cNvSpPr txBox="1">
-            <a:spLocks/>
-          </p:cNvSpPr>
-          <p:nvPr>
-            <p:ph type="title"/>
-          </p:nvPr>
-        </p:nvSpPr>
-        <p:spPr>
-          <a:xfrm rot="0">
-            <a:off x="398780" y="262890"/>
-            <a:ext cx="8230870" cy="1144270"/>
-          </a:xfrm>
-          <a:prstGeom prst="rect"/>
-        </p:spPr>
-        <p:txBody>
-          <a:bodyPr wrap="square" lIns="91440" tIns="45720" rIns="91440" bIns="45720" vert="horz" anchor="ctr">
-            <a:normAutofit fontScale="100000" lnSpcReduction="0"/>
-          </a:bodyPr>
-          <a:lstStyle/>
-          <a:p>
-            <a:pPr marL="0" indent="0" algn="l" fontAlgn="auto" defTabSz="508000" eaLnBrk="0">
-              <a:lnSpc>
-                <a:spcPct val="100000"/>
-              </a:lnSpc>
-              <a:spcBef>
-                <a:spcPts val="0"/>
-              </a:spcBef>
-              <a:spcAft>
-                <a:spcPts val="0"/>
-              </a:spcAft>
-              <a:buFontTx/>
-              <a:buNone/>
-            </a:pPr>
-            <a:r>
-              <a:rPr lang="en-US" altLang="ko-KR" sz="4400" cap="none" dirty="0" smtClean="0" b="0">
-                <a:solidFill>
-                  <a:schemeClr val="tx1"/>
-                </a:solidFill>
-                <a:latin typeface="Calibri" charset="0"/>
-                <a:ea typeface="Calibri" charset="0"/>
-              </a:rPr>
-              <a:t>做数据准备要做哪些工作</a:t>
-            </a:r>
-            <a:endParaRPr lang="ko-KR" altLang="en-US" sz="4400" cap="none" dirty="0" smtClean="0" b="0">
-              <a:solidFill>
-                <a:schemeClr val="tx1"/>
-              </a:solidFill>
-              <a:latin typeface="Calibri" charset="0"/>
-              <a:ea typeface="Calibri" charset="0"/>
-            </a:endParaRPr>
-          </a:p>
-        </p:txBody>
-      </p:sp>
-      <p:sp>
-        <p:nvSpPr>
-          <p:cNvPr id="3" name="内容占位符 2"/>
-          <p:cNvSpPr txBox="1">
-            <a:spLocks/>
-          </p:cNvSpPr>
-          <p:nvPr>
-            <p:ph type="obj" idx="1"/>
-          </p:nvPr>
-        </p:nvSpPr>
-        <p:spPr>
-          <a:xfrm rot="0">
-            <a:off x="457200" y="1600200"/>
-            <a:ext cx="8230870" cy="4527550"/>
-          </a:xfrm>
-          <a:prstGeom prst="rect"/>
-        </p:spPr>
-        <p:txBody>
-          <a:bodyPr wrap="square" lIns="91440" tIns="45720" rIns="91440" bIns="45720" vert="horz" anchor="t">
-            <a:normAutofit fontScale="100000" lnSpcReduction="0"/>
-          </a:bodyPr>
-          <a:lstStyle/>
-          <a:p>
-            <a:pPr marL="0" indent="0" algn="l" fontAlgn="auto" defTabSz="508000" eaLnBrk="0">
-              <a:lnSpc>
-                <a:spcPct val="90000"/>
-              </a:lnSpc>
-              <a:spcBef>
-                <a:spcPts val="0"/>
-              </a:spcBef>
-              <a:spcAft>
-                <a:spcPts val="0"/>
-              </a:spcAft>
-              <a:buFontTx/>
-              <a:buNone/>
-            </a:pPr>
-            <a:r>
-              <a:rPr lang="en-US" altLang="ko-KR" sz="3600" cap="none" dirty="0" smtClean="0" b="0">
-                <a:solidFill>
-                  <a:srgbClr val="333333"/>
-                </a:solidFill>
-                <a:latin typeface="arial" charset="0"/>
-                <a:ea typeface="arial" charset="0"/>
-              </a:rPr>
-              <a:t>1.随机排序</a:t>
-            </a:r>
-            <a:endParaRPr lang="ko-KR" altLang="en-US" sz="3600" cap="none" dirty="0" smtClean="0" b="0">
-              <a:solidFill>
-                <a:srgbClr val="333333"/>
-              </a:solidFill>
-              <a:latin typeface="arial" charset="0"/>
-              <a:ea typeface="arial" charset="0"/>
-            </a:endParaRPr>
-          </a:p>
-          <a:p>
-            <a:pPr marL="0" indent="0" algn="l" fontAlgn="auto" defTabSz="508000" eaLnBrk="0">
-              <a:lnSpc>
-                <a:spcPct val="90000"/>
-              </a:lnSpc>
-              <a:spcBef>
-                <a:spcPts val="0"/>
-              </a:spcBef>
-              <a:spcAft>
-                <a:spcPts val="0"/>
-              </a:spcAft>
-              <a:buFontTx/>
-              <a:buNone/>
-            </a:pPr>
-            <a:r>
-              <a:rPr lang="en-US" altLang="ko-KR" sz="3600" cap="none" dirty="0" smtClean="0" b="0">
-                <a:solidFill>
-                  <a:srgbClr val="333333"/>
-                </a:solidFill>
-                <a:latin typeface="arial" charset="0"/>
-                <a:ea typeface="arial" charset="0"/>
-              </a:rPr>
-              <a:t>2.分出训练集和测试集</a:t>
-            </a:r>
-            <a:endParaRPr lang="ko-KR" altLang="en-US" sz="3600" cap="none" dirty="0" smtClean="0" b="0">
-              <a:solidFill>
-                <a:srgbClr val="333333"/>
-              </a:solidFill>
-              <a:latin typeface="arial" charset="0"/>
-              <a:ea typeface="arial" charset="0"/>
-            </a:endParaRPr>
-          </a:p>
-          <a:p>
-            <a:pPr marL="0" indent="0" algn="l" fontAlgn="auto" defTabSz="508000" eaLnBrk="0">
-              <a:lnSpc>
-                <a:spcPct val="90000"/>
-              </a:lnSpc>
-              <a:spcBef>
-                <a:spcPts val="0"/>
-              </a:spcBef>
-              <a:spcAft>
-                <a:spcPts val="0"/>
-              </a:spcAft>
-              <a:buFontTx/>
-              <a:buNone/>
-            </a:pPr>
-            <a:r>
-              <a:rPr lang="en-US" altLang="ko-KR" sz="3600" cap="none" dirty="0" smtClean="0" b="0">
-                <a:solidFill>
-                  <a:srgbClr val="333333"/>
-                </a:solidFill>
-                <a:latin typeface="arial" charset="0"/>
-                <a:ea typeface="arial" charset="0"/>
-              </a:rPr>
-              <a:t>3.调整训练集合测试集的数据分布</a:t>
-            </a:r>
-            <a:endParaRPr lang="ko-KR" altLang="en-US" sz="3600" cap="none" dirty="0" smtClean="0" b="0">
-              <a:solidFill>
-                <a:srgbClr val="333333"/>
-              </a:solidFill>
-              <a:latin typeface="arial" charset="0"/>
-              <a:ea typeface="arial" charset="0"/>
-            </a:endParaRPr>
-          </a:p>
-          <a:p>
-            <a:pPr marL="0" indent="0" algn="l" fontAlgn="auto" defTabSz="508000" eaLnBrk="0">
-              <a:lnSpc>
-                <a:spcPct val="90000"/>
-              </a:lnSpc>
-              <a:spcBef>
-                <a:spcPts val="0"/>
-              </a:spcBef>
-              <a:spcAft>
-                <a:spcPts val="0"/>
-              </a:spcAft>
-              <a:buFontTx/>
-              <a:buNone/>
-            </a:pPr>
-            <a:r>
-              <a:rPr lang="en-US" altLang="ko-KR" sz="3600" cap="none" dirty="0" smtClean="0" b="0">
-                <a:solidFill>
-                  <a:srgbClr val="333333"/>
-                </a:solidFill>
-                <a:latin typeface="arial" charset="0"/>
-                <a:ea typeface="arial" charset="0"/>
-              </a:rPr>
-              <a:t>4.保证足够的数据量</a:t>
-            </a:r>
-            <a:endParaRPr lang="ko-KR" altLang="en-US" sz="3600" cap="none" dirty="0" smtClean="0" b="0">
-              <a:solidFill>
-                <a:srgbClr val="333333"/>
-              </a:solidFill>
-              <a:latin typeface="arial" charset="0"/>
-              <a:ea typeface="arial" charset="0"/>
-            </a:endParaRPr>
-          </a:p>
-          <a:p>
-            <a:pPr marL="0" indent="0" algn="l" fontAlgn="auto" defTabSz="508000" eaLnBrk="0">
-              <a:lnSpc>
-                <a:spcPct val="90000"/>
-              </a:lnSpc>
-              <a:spcBef>
-                <a:spcPts val="0"/>
-              </a:spcBef>
-              <a:spcAft>
-                <a:spcPts val="0"/>
-              </a:spcAft>
-              <a:buFontTx/>
-              <a:buNone/>
-            </a:pPr>
-            <a:endParaRPr lang="ko-KR" altLang="en-US" sz="3600" cap="none" dirty="0" smtClean="0" b="0">
-              <a:solidFill>
-                <a:schemeClr val="tx1"/>
-              </a:solidFill>
-              <a:latin typeface="Calibri" charset="0"/>
-              <a:ea typeface="Calibri" charset="0"/>
-            </a:endParaRPr>
-          </a:p>
-        </p:txBody>
-      </p:sp>
+      <p:pic>
+        <p:nvPicPr>
+          <p:cNvPr id="2" name="图片 1" descr="C:/Users/Kenshin/AppData/Roaming/JisuOffice/ETemp/7564_13633600/fImage627861676334.png"/>
+          <p:cNvPicPr>
+            <a:picLocks noChangeAspect="1"/>
+          </p:cNvPicPr>
+          <p:nvPr/>
+        </p:nvPicPr>
+        <p:blipFill rotWithShape="1">
+          <a:blip r:embed="rId2">
+            <a:extLst>
+              <a:ext uri="{28A0092B-C50C-407E-A947-70E740481C1C}">
+                <a14:useLocalDpi xmlns:a14="http://schemas.microsoft.com/office/drawing/2010/main" val="0"/>
+              </a:ext>
+            </a:extLst>
+          </a:blip>
+          <a:stretch>
+            <a:fillRect/>
+          </a:stretch>
+        </p:blipFill>
+        <p:spPr>
+          <a:xfrm rot="0">
+            <a:off x="0" y="1235075"/>
+            <a:ext cx="9144635" cy="4388485"/>
+          </a:xfrm>
+          <a:prstGeom prst="rect"/>
+          <a:noFill/>
+        </p:spPr>
+      </p:pic>
     </p:spTree>
   </p:cSld>
   <p:clrMapOvr>
@@ -5969,6 +7683,397 @@
       <p:transition spd="slow"/>
     </mc:Fallback>
   </mc:AlternateContent>
+</p:sld>
+</file>
+
+<file path=ppt/slides/slide21.xml><?xml version="1.0" encoding="utf-8"?>
+<p:sld xmlns:a="http://schemas.openxmlformats.org/drawingml/2006/main" xmlns:r="http://schemas.openxmlformats.org/officeDocument/2006/relationships" xmlns:p="http://schemas.openxmlformats.org/presentationml/2006/main">
+  <p:cSld>
+    <p:spTree>
+      <p:nvGrpSpPr>
+        <p:cNvPr id="1" name=""/>
+        <p:cNvGrpSpPr/>
+        <p:nvPr/>
+      </p:nvGrpSpPr>
+      <p:grpSpPr>
+        <a:xfrm>
+          <a:off x="0" y="0"/>
+          <a:ext cx="0" cy="0"/>
+          <a:chOff x="0" y="0"/>
+          <a:chExt cx="0" cy="0"/>
+        </a:xfrm>
+      </p:grpSpPr>
+      <p:sp>
+        <p:nvSpPr>
+          <p:cNvPr id="2" name="文本占位符 1"/>
+          <p:cNvSpPr txBox="1">
+            <a:spLocks/>
+          </p:cNvSpPr>
+          <p:nvPr>
+            <p:ph type="title"/>
+          </p:nvPr>
+        </p:nvSpPr>
+        <p:spPr>
+          <a:xfrm rot="0">
+            <a:off x="515620" y="1918335"/>
+            <a:ext cx="8230870" cy="1144270"/>
+          </a:xfrm>
+          <a:prstGeom prst="rect"/>
+        </p:spPr>
+        <p:txBody>
+          <a:bodyPr wrap="square" lIns="91440" tIns="45720" rIns="91440" bIns="45720" vert="horz" anchor="ctr">
+            <a:normAutofit fontScale="100000" lnSpcReduction="0"/>
+          </a:bodyPr>
+          <a:lstStyle/>
+          <a:p>
+            <a:pPr marL="0" indent="0" algn="ctr" fontAlgn="auto" defTabSz="508000" eaLnBrk="0">
+              <a:lnSpc>
+                <a:spcPct val="100000"/>
+              </a:lnSpc>
+              <a:spcBef>
+                <a:spcPts val="0"/>
+              </a:spcBef>
+              <a:spcAft>
+                <a:spcPts val="0"/>
+              </a:spcAft>
+              <a:buFontTx/>
+              <a:buNone/>
+            </a:pPr>
+            <a:r>
+              <a:rPr lang="en-US" altLang="ko-KR" sz="6600" cap="none" dirty="0" smtClean="0" b="0">
+                <a:solidFill>
+                  <a:schemeClr val="tx1"/>
+                </a:solidFill>
+                <a:latin typeface="Calibri" charset="0"/>
+                <a:ea typeface="Calibri" charset="0"/>
+              </a:rPr>
+              <a:t>谢谢</a:t>
+            </a:r>
+            <a:endParaRPr lang="ko-KR" altLang="en-US" sz="6600" cap="none" dirty="0" smtClean="0" b="0">
+              <a:solidFill>
+                <a:schemeClr val="tx1"/>
+              </a:solidFill>
+              <a:latin typeface="Calibri" charset="0"/>
+              <a:ea typeface="Calibri" charset="0"/>
+            </a:endParaRPr>
+          </a:p>
+        </p:txBody>
+      </p:sp>
+    </p:spTree>
+  </p:cSld>
+  <p:clrMapOvr>
+    <a:masterClrMapping/>
+  </p:clrMapOvr>
+  <mc:AlternateContent xmlns:mc="http://schemas.openxmlformats.org/markup-compatibility/2006">
+    <mc:Choice xmlns:p14="http://schemas.microsoft.com/office/powerpoint/2010/main" Requires="p14">
+      <p:transition spd="slow" p14:dur="1000"/>
+    </mc:Choice>
+    <mc:Fallback>
+      <p:transition spd="slow"/>
+    </mc:Fallback>
+  </mc:AlternateContent>
+</p:sld>
+</file>
+
+<file path=ppt/slides/slide3.xml><?xml version="1.0" encoding="utf-8"?>
+<p:sld xmlns:a="http://schemas.openxmlformats.org/drawingml/2006/main" xmlns:r="http://schemas.openxmlformats.org/officeDocument/2006/relationships" xmlns:p="http://schemas.openxmlformats.org/presentationml/2006/main" xmlns:p14="http://schemas.microsoft.com/office/powerpoint/2010/main">
+  <p:cSld>
+    <p:spTree>
+      <p:nvGrpSpPr>
+        <p:cNvPr id="1" name=""/>
+        <p:cNvGrpSpPr/>
+        <p:nvPr/>
+      </p:nvGrpSpPr>
+      <p:grpSpPr>
+        <a:xfrm>
+          <a:off x="0" y="0"/>
+          <a:ext cx="0" cy="0"/>
+          <a:chOff x="0" y="0"/>
+          <a:chExt cx="0" cy="0"/>
+        </a:xfrm>
+      </p:grpSpPr>
+      <p:sp>
+        <p:nvSpPr>
+          <p:cNvPr id="2" name="文本占位符 1"/>
+          <p:cNvSpPr txBox="1">
+            <a:spLocks/>
+          </p:cNvSpPr>
+          <p:nvPr>
+            <p:ph type="title"/>
+          </p:nvPr>
+        </p:nvSpPr>
+        <p:spPr>
+          <a:xfrm rot="0">
+            <a:off x="398780" y="262890"/>
+            <a:ext cx="8230870" cy="1144270"/>
+          </a:xfrm>
+          <a:prstGeom prst="rect"/>
+        </p:spPr>
+        <p:txBody>
+          <a:bodyPr wrap="square" lIns="91440" tIns="45720" rIns="91440" bIns="45720" vert="horz" anchor="ctr">
+            <a:normAutofit fontScale="100000" lnSpcReduction="0"/>
+          </a:bodyPr>
+          <a:lstStyle/>
+          <a:p>
+            <a:pPr marL="0" indent="0" algn="l" fontAlgn="auto" defTabSz="508000" eaLnBrk="0">
+              <a:lnSpc>
+                <a:spcPct val="100000"/>
+              </a:lnSpc>
+              <a:spcBef>
+                <a:spcPts val="0"/>
+              </a:spcBef>
+              <a:spcAft>
+                <a:spcPts val="0"/>
+              </a:spcAft>
+              <a:buFontTx/>
+              <a:buNone/>
+            </a:pPr>
+            <a:r>
+              <a:rPr lang="en-US" altLang="ko-KR" sz="4400" cap="none" dirty="0" smtClean="0" b="0">
+                <a:solidFill>
+                  <a:schemeClr val="tx1"/>
+                </a:solidFill>
+                <a:latin typeface="Calibri" charset="0"/>
+                <a:ea typeface="Calibri" charset="0"/>
+              </a:rPr>
+              <a:t>做数据准备要做哪些工作</a:t>
+            </a:r>
+            <a:endParaRPr lang="ko-KR" altLang="en-US" sz="4400" cap="none" dirty="0" smtClean="0" b="0">
+              <a:solidFill>
+                <a:schemeClr val="tx1"/>
+              </a:solidFill>
+              <a:latin typeface="Calibri" charset="0"/>
+              <a:ea typeface="Calibri" charset="0"/>
+            </a:endParaRPr>
+          </a:p>
+        </p:txBody>
+      </p:sp>
+      <p:sp>
+        <p:nvSpPr>
+          <p:cNvPr id="3" name="内容占位符 2"/>
+          <p:cNvSpPr txBox="1">
+            <a:spLocks/>
+          </p:cNvSpPr>
+          <p:nvPr>
+            <p:ph type="obj" idx="1"/>
+          </p:nvPr>
+        </p:nvSpPr>
+        <p:spPr>
+          <a:xfrm>
+            <a:off x="457200" y="1600200"/>
+            <a:ext cx="8231505" cy="4528185"/>
+          </a:xfrm>
+          <a:prstGeom prst="rect"/>
+        </p:spPr>
+        <p:txBody>
+          <a:bodyPr wrap="square" lIns="91440" tIns="45720" rIns="91440" bIns="45720" numCol="1" vert="horz" anchor="t">
+            <a:normAutofit fontScale="100000" lnSpcReduction="0"/>
+          </a:bodyPr>
+          <a:lstStyle/>
+          <a:p>
+            <a:pPr marL="0" indent="0" algn="l" fontAlgn="auto" defTabSz="508000" eaLnBrk="0">
+              <a:lnSpc>
+                <a:spcPct val="90000"/>
+              </a:lnSpc>
+              <a:spcBef>
+                <a:spcPts val="0"/>
+              </a:spcBef>
+              <a:spcAft>
+                <a:spcPts val="0"/>
+              </a:spcAft>
+              <a:buFontTx/>
+              <a:buNone/>
+            </a:pPr>
+            <a:r>
+              <a:rPr lang="en-US" altLang="ko-KR" sz="3600" cap="none" dirty="0" smtClean="0" b="0">
+                <a:solidFill>
+                  <a:srgbClr val="333333"/>
+                </a:solidFill>
+                <a:latin typeface="arial" charset="0"/>
+                <a:ea typeface="arial" charset="0"/>
+              </a:rPr>
+              <a:t>1.随机排序</a:t>
+            </a:r>
+            <a:endParaRPr lang="ko-KR" altLang="en-US" sz="3600" cap="none" dirty="0" smtClean="0" b="0">
+              <a:solidFill>
+                <a:srgbClr val="333333"/>
+              </a:solidFill>
+              <a:latin typeface="arial" charset="0"/>
+              <a:ea typeface="arial" charset="0"/>
+            </a:endParaRPr>
+          </a:p>
+          <a:p>
+            <a:pPr marL="0" indent="0" algn="l" fontAlgn="auto" defTabSz="508000" eaLnBrk="0">
+              <a:lnSpc>
+                <a:spcPct val="90000"/>
+              </a:lnSpc>
+              <a:spcBef>
+                <a:spcPts val="0"/>
+              </a:spcBef>
+              <a:spcAft>
+                <a:spcPts val="0"/>
+              </a:spcAft>
+              <a:buFontTx/>
+              <a:buNone/>
+            </a:pPr>
+            <a:r>
+              <a:rPr lang="en-US" altLang="ko-KR" sz="3600" cap="none" dirty="0" smtClean="0" b="0">
+                <a:solidFill>
+                  <a:srgbClr val="333333"/>
+                </a:solidFill>
+                <a:latin typeface="arial" charset="0"/>
+                <a:ea typeface="arial" charset="0"/>
+              </a:rPr>
+              <a:t>2.分出训练集和测试集</a:t>
+            </a:r>
+            <a:endParaRPr lang="ko-KR" altLang="en-US" sz="3600" cap="none" dirty="0" smtClean="0" b="0">
+              <a:solidFill>
+                <a:srgbClr val="333333"/>
+              </a:solidFill>
+              <a:latin typeface="arial" charset="0"/>
+              <a:ea typeface="arial" charset="0"/>
+            </a:endParaRPr>
+          </a:p>
+          <a:p>
+            <a:pPr marL="0" indent="0" algn="l" fontAlgn="auto" defTabSz="508000" eaLnBrk="0">
+              <a:lnSpc>
+                <a:spcPct val="90000"/>
+              </a:lnSpc>
+              <a:spcBef>
+                <a:spcPts val="0"/>
+              </a:spcBef>
+              <a:spcAft>
+                <a:spcPts val="0"/>
+              </a:spcAft>
+              <a:buFontTx/>
+              <a:buNone/>
+            </a:pPr>
+            <a:r>
+              <a:rPr lang="en-US" altLang="ko-KR" sz="3600" cap="none" dirty="0" smtClean="0" b="0">
+                <a:solidFill>
+                  <a:srgbClr val="333333"/>
+                </a:solidFill>
+                <a:latin typeface="arial" charset="0"/>
+                <a:ea typeface="arial" charset="0"/>
+              </a:rPr>
+              <a:t>3.调整训练集合测试集的数据分布</a:t>
+            </a:r>
+            <a:endParaRPr lang="ko-KR" altLang="en-US" sz="3600" cap="none" dirty="0" smtClean="0" b="0">
+              <a:solidFill>
+                <a:srgbClr val="333333"/>
+              </a:solidFill>
+              <a:latin typeface="arial" charset="0"/>
+              <a:ea typeface="arial" charset="0"/>
+            </a:endParaRPr>
+          </a:p>
+          <a:p>
+            <a:pPr marL="0" indent="0" algn="l" fontAlgn="auto" defTabSz="508000" eaLnBrk="0">
+              <a:lnSpc>
+                <a:spcPct val="90000"/>
+              </a:lnSpc>
+              <a:spcBef>
+                <a:spcPts val="0"/>
+              </a:spcBef>
+              <a:spcAft>
+                <a:spcPts val="0"/>
+              </a:spcAft>
+              <a:buFontTx/>
+              <a:buNone/>
+            </a:pPr>
+            <a:r>
+              <a:rPr lang="en-US" altLang="ko-KR" sz="3600" cap="none" dirty="0" smtClean="0" b="0">
+                <a:solidFill>
+                  <a:srgbClr val="333333"/>
+                </a:solidFill>
+                <a:latin typeface="arial" charset="0"/>
+                <a:ea typeface="arial" charset="0"/>
+              </a:rPr>
+              <a:t>4.保证足够的数据量</a:t>
+            </a:r>
+            <a:endParaRPr lang="ko-KR" altLang="en-US" sz="3600" cap="none" dirty="0" smtClean="0" b="0">
+              <a:solidFill>
+                <a:srgbClr val="333333"/>
+              </a:solidFill>
+              <a:latin typeface="arial" charset="0"/>
+              <a:ea typeface="arial" charset="0"/>
+            </a:endParaRPr>
+          </a:p>
+          <a:p>
+            <a:pPr marL="0" indent="0" algn="l" fontAlgn="auto" defTabSz="508000" eaLnBrk="0">
+              <a:lnSpc>
+                <a:spcPct val="90000"/>
+              </a:lnSpc>
+              <a:spcBef>
+                <a:spcPts val="0"/>
+              </a:spcBef>
+              <a:spcAft>
+                <a:spcPts val="0"/>
+              </a:spcAft>
+              <a:buFontTx/>
+              <a:buNone/>
+            </a:pPr>
+            <a:r>
+              <a:rPr lang="en-US" altLang="ko-KR" sz="3600" cap="none" dirty="0" smtClean="0" b="0">
+                <a:solidFill>
+                  <a:srgbClr val="333333"/>
+                </a:solidFill>
+                <a:latin typeface="arial" charset="0"/>
+                <a:ea typeface="arial" charset="0"/>
+              </a:rPr>
+              <a:t>5.其他...</a:t>
+            </a:r>
+            <a:endParaRPr lang="ko-KR" altLang="en-US" sz="3600" cap="none" dirty="0" smtClean="0" b="0">
+              <a:solidFill>
+                <a:srgbClr val="333333"/>
+              </a:solidFill>
+              <a:latin typeface="arial" charset="0"/>
+              <a:ea typeface="arial" charset="0"/>
+            </a:endParaRPr>
+          </a:p>
+          <a:p>
+            <a:pPr marL="0" indent="0" algn="l" fontAlgn="auto" defTabSz="508000" eaLnBrk="0">
+              <a:lnSpc>
+                <a:spcPct val="90000"/>
+              </a:lnSpc>
+              <a:spcBef>
+                <a:spcPts val="0"/>
+              </a:spcBef>
+              <a:spcAft>
+                <a:spcPts val="0"/>
+              </a:spcAft>
+              <a:buFontTx/>
+              <a:buNone/>
+            </a:pPr>
+            <a:endParaRPr lang="ko-KR" altLang="en-US" sz="3600" cap="none" dirty="0" smtClean="0" b="0">
+              <a:solidFill>
+                <a:schemeClr val="tx1"/>
+              </a:solidFill>
+              <a:latin typeface="Calibri" charset="0"/>
+              <a:ea typeface="Calibri" charset="0"/>
+            </a:endParaRPr>
+          </a:p>
+        </p:txBody>
+      </p:sp>
+    </p:spTree>
+  </p:cSld>
+  <p:clrMapOvr>
+    <a:masterClrMapping/>
+  </p:clrMapOvr>
+  <mc:AlternateContent xmlns:mc="http://schemas.openxmlformats.org/markup-compatibility/2006">
+    <mc:Choice xmlns:p14="http://schemas.microsoft.com/office/powerpoint/2010/main" Requires="p14">
+      <p:transition spd="slow" p14:dur="1000"/>
+    </mc:Choice>
+    <mc:Fallback>
+      <p:transition spd="slow"/>
+    </mc:Fallback>
+  </mc:AlternateContent>
+  <p:timing>
+    <p:tnLst>
+      <p:par>
+        <p:cTn id="1" dur="indefinite" restart="never" nodeType="tmRoot"/>
+      </p:par>
+    </p:tnLst>
+  </p:timing>
 </p:sld>
 </file>
 
@@ -6090,6 +8195,967 @@
                 <a:ea typeface="Calibri" charset="0"/>
               </a:rPr>
               <a:t>原因：因为我们不希望数据的顺序影响机器学习的模型</a:t>
+            </a:r>
+            <a:endParaRPr lang="ko-KR" altLang="en-US" sz="3600" cap="none" dirty="0" smtClean="0" b="0">
+              <a:solidFill>
+                <a:schemeClr val="tx1"/>
+              </a:solidFill>
+              <a:latin typeface="Calibri" charset="0"/>
+              <a:ea typeface="Calibri" charset="0"/>
+            </a:endParaRPr>
+          </a:p>
+        </p:txBody>
+      </p:sp>
+    </p:spTree>
+  </p:cSld>
+  <p:clrMapOvr>
+    <a:masterClrMapping/>
+  </p:clrMapOvr>
+  <mc:AlternateContent xmlns:mc="http://schemas.openxmlformats.org/markup-compatibility/2006">
+    <mc:Choice xmlns:p14="http://schemas.microsoft.com/office/powerpoint/2010/main" Requires="p14">
+      <p:transition spd="slow" p14:dur="1000"/>
+    </mc:Choice>
+    <mc:Fallback>
+      <p:transition spd="slow"/>
+    </mc:Fallback>
+  </mc:AlternateContent>
+</p:sld>
+</file>
+
+<file path=ppt/slides/slide5.xml><?xml version="1.0" encoding="utf-8"?>
+<p:sld xmlns:a="http://schemas.openxmlformats.org/drawingml/2006/main" xmlns:r="http://schemas.openxmlformats.org/officeDocument/2006/relationships" xmlns:p="http://schemas.openxmlformats.org/presentationml/2006/main">
+  <p:cSld>
+    <p:spTree>
+      <p:nvGrpSpPr>
+        <p:cNvPr id="1" name=""/>
+        <p:cNvGrpSpPr/>
+        <p:nvPr/>
+      </p:nvGrpSpPr>
+      <p:grpSpPr>
+        <a:xfrm>
+          <a:off x="0" y="0"/>
+          <a:ext cx="0" cy="0"/>
+          <a:chOff x="0" y="0"/>
+          <a:chExt cx="0" cy="0"/>
+        </a:xfrm>
+      </p:grpSpPr>
+      <p:sp>
+        <p:nvSpPr>
+          <p:cNvPr id="2" name="文本占位符 1"/>
+          <p:cNvSpPr txBox="1">
+            <a:spLocks/>
+          </p:cNvSpPr>
+          <p:nvPr>
+            <p:ph type="title"/>
+          </p:nvPr>
+        </p:nvSpPr>
+        <p:spPr>
+          <a:xfrm rot="0">
+            <a:off x="457200" y="274320"/>
+            <a:ext cx="8230870" cy="1144270"/>
+          </a:xfrm>
+          <a:prstGeom prst="rect"/>
+        </p:spPr>
+        <p:txBody>
+          <a:bodyPr wrap="square" lIns="91440" tIns="45720" rIns="91440" bIns="45720" vert="horz" anchor="ctr">
+            <a:normAutofit fontScale="100000" lnSpcReduction="0"/>
+          </a:bodyPr>
+          <a:lstStyle/>
+          <a:p>
+            <a:pPr marL="0" indent="0" algn="l" fontAlgn="auto" defTabSz="508000" eaLnBrk="0">
+              <a:lnSpc>
+                <a:spcPct val="100000"/>
+              </a:lnSpc>
+              <a:spcBef>
+                <a:spcPts val="0"/>
+              </a:spcBef>
+              <a:spcAft>
+                <a:spcPts val="0"/>
+              </a:spcAft>
+              <a:buFontTx/>
+              <a:buNone/>
+            </a:pPr>
+            <a:r>
+              <a:rPr lang="en-US" altLang="ko-KR" sz="4400" cap="none" dirty="0" smtClean="0" b="0">
+                <a:solidFill>
+                  <a:schemeClr val="tx1"/>
+                </a:solidFill>
+                <a:latin typeface="Calibri" charset="0"/>
+                <a:ea typeface="Calibri" charset="0"/>
+              </a:rPr>
+              <a:t>分出训练集和测试集</a:t>
+            </a:r>
+            <a:endParaRPr lang="ko-KR" altLang="en-US" sz="4400" cap="none" dirty="0" smtClean="0" b="0">
+              <a:solidFill>
+                <a:schemeClr val="tx1"/>
+              </a:solidFill>
+              <a:latin typeface="Calibri" charset="0"/>
+              <a:ea typeface="Calibri" charset="0"/>
+            </a:endParaRPr>
+          </a:p>
+        </p:txBody>
+      </p:sp>
+      <p:sp>
+        <p:nvSpPr>
+          <p:cNvPr id="3" name="内容占位符 2"/>
+          <p:cNvSpPr txBox="1">
+            <a:spLocks/>
+          </p:cNvSpPr>
+          <p:nvPr>
+            <p:ph type="obj" idx="1"/>
+          </p:nvPr>
+        </p:nvSpPr>
+        <p:spPr>
+          <a:xfrm rot="0">
+            <a:off x="457200" y="1600200"/>
+            <a:ext cx="8230870" cy="4527550"/>
+          </a:xfrm>
+          <a:prstGeom prst="rect"/>
+        </p:spPr>
+        <p:txBody>
+          <a:bodyPr wrap="square" lIns="91440" tIns="45720" rIns="91440" bIns="45720" vert="horz" anchor="t">
+            <a:normAutofit fontScale="100000" lnSpcReduction="0"/>
+          </a:bodyPr>
+          <a:lstStyle/>
+          <a:p>
+            <a:pPr marL="0" indent="0" algn="l" fontAlgn="auto" defTabSz="508000" eaLnBrk="0">
+              <a:lnSpc>
+                <a:spcPct val="90000"/>
+              </a:lnSpc>
+              <a:spcBef>
+                <a:spcPts val="0"/>
+              </a:spcBef>
+              <a:spcAft>
+                <a:spcPts val="0"/>
+              </a:spcAft>
+              <a:buFontTx/>
+              <a:buNone/>
+            </a:pPr>
+            <a:r>
+              <a:rPr lang="en-US" altLang="ko-KR" sz="3600" cap="none" dirty="0" smtClean="0" b="0">
+                <a:solidFill>
+                  <a:schemeClr val="tx1"/>
+                </a:solidFill>
+                <a:latin typeface="Calibri" charset="0"/>
+                <a:ea typeface="Calibri" charset="0"/>
+              </a:rPr>
+              <a:t>原因：训练集用来训练模型，测试用来测试与评估模型</a:t>
+            </a:r>
+            <a:endParaRPr lang="ko-KR" altLang="en-US" sz="3600" cap="none" dirty="0" smtClean="0" b="0">
+              <a:solidFill>
+                <a:schemeClr val="tx1"/>
+              </a:solidFill>
+              <a:latin typeface="Calibri" charset="0"/>
+              <a:ea typeface="Calibri" charset="0"/>
+            </a:endParaRPr>
+          </a:p>
+        </p:txBody>
+      </p:sp>
+    </p:spTree>
+  </p:cSld>
+  <p:clrMapOvr>
+    <a:masterClrMapping/>
+  </p:clrMapOvr>
+  <mc:AlternateContent xmlns:mc="http://schemas.openxmlformats.org/markup-compatibility/2006">
+    <mc:Choice xmlns:p14="http://schemas.microsoft.com/office/powerpoint/2010/main" Requires="p14">
+      <p:transition spd="slow" p14:dur="1000"/>
+    </mc:Choice>
+    <mc:Fallback>
+      <p:transition spd="slow"/>
+    </mc:Fallback>
+  </mc:AlternateContent>
+</p:sld>
+</file>
+
+<file path=ppt/slides/slide6.xml><?xml version="1.0" encoding="utf-8"?>
+<p:sld xmlns:a="http://schemas.openxmlformats.org/drawingml/2006/main" xmlns:r="http://schemas.openxmlformats.org/officeDocument/2006/relationships" xmlns:p="http://schemas.openxmlformats.org/presentationml/2006/main">
+  <p:cSld>
+    <p:spTree>
+      <p:nvGrpSpPr>
+        <p:cNvPr id="1" name=""/>
+        <p:cNvGrpSpPr/>
+        <p:nvPr/>
+      </p:nvGrpSpPr>
+      <p:grpSpPr>
+        <a:xfrm>
+          <a:off x="0" y="0"/>
+          <a:ext cx="0" cy="0"/>
+          <a:chOff x="0" y="0"/>
+          <a:chExt cx="0" cy="0"/>
+        </a:xfrm>
+      </p:grpSpPr>
+      <p:sp>
+        <p:nvSpPr>
+          <p:cNvPr id="2" name="文本占位符 1"/>
+          <p:cNvSpPr txBox="1">
+            <a:spLocks/>
+          </p:cNvSpPr>
+          <p:nvPr>
+            <p:ph type="title"/>
+          </p:nvPr>
+        </p:nvSpPr>
+        <p:spPr>
+          <a:xfrm rot="0">
+            <a:off x="457200" y="274320"/>
+            <a:ext cx="8230870" cy="1144270"/>
+          </a:xfrm>
+          <a:prstGeom prst="rect"/>
+        </p:spPr>
+        <p:txBody>
+          <a:bodyPr wrap="square" lIns="91440" tIns="45720" rIns="91440" bIns="45720" vert="horz" anchor="ctr">
+            <a:normAutofit fontScale="100000" lnSpcReduction="0"/>
+          </a:bodyPr>
+          <a:lstStyle/>
+          <a:p>
+            <a:pPr marL="0" indent="0" algn="l" fontAlgn="auto" defTabSz="508000" eaLnBrk="0">
+              <a:lnSpc>
+                <a:spcPct val="100000"/>
+              </a:lnSpc>
+              <a:spcBef>
+                <a:spcPts val="0"/>
+              </a:spcBef>
+              <a:spcAft>
+                <a:spcPts val="0"/>
+              </a:spcAft>
+              <a:buFontTx/>
+              <a:buNone/>
+            </a:pPr>
+            <a:r>
+              <a:rPr lang="en-US" altLang="ko-KR" sz="4400" cap="none" dirty="0" smtClean="0" b="0">
+                <a:solidFill>
+                  <a:schemeClr val="tx1"/>
+                </a:solidFill>
+                <a:latin typeface="Calibri" charset="0"/>
+                <a:ea typeface="Calibri" charset="0"/>
+              </a:rPr>
+              <a:t>调整训练集合测试集的数据分布</a:t>
+            </a:r>
+            <a:endParaRPr lang="ko-KR" altLang="en-US" sz="4400" cap="none" dirty="0" smtClean="0" b="0">
+              <a:solidFill>
+                <a:schemeClr val="tx1"/>
+              </a:solidFill>
+              <a:latin typeface="Calibri" charset="0"/>
+              <a:ea typeface="Calibri" charset="0"/>
+            </a:endParaRPr>
+          </a:p>
+        </p:txBody>
+      </p:sp>
+      <p:sp>
+        <p:nvSpPr>
+          <p:cNvPr id="3" name="内容占位符 2"/>
+          <p:cNvSpPr txBox="1">
+            <a:spLocks/>
+          </p:cNvSpPr>
+          <p:nvPr>
+            <p:ph type="obj" idx="1"/>
+          </p:nvPr>
+        </p:nvSpPr>
+        <p:spPr>
+          <a:xfrm rot="0">
+            <a:off x="457200" y="1600200"/>
+            <a:ext cx="8230870" cy="4527550"/>
+          </a:xfrm>
+          <a:prstGeom prst="rect"/>
+        </p:spPr>
+        <p:txBody>
+          <a:bodyPr wrap="square" lIns="91440" tIns="45720" rIns="91440" bIns="45720" vert="horz" anchor="t">
+            <a:normAutofit fontScale="100000" lnSpcReduction="0"/>
+          </a:bodyPr>
+          <a:lstStyle/>
+          <a:p>
+            <a:pPr marL="0" indent="0" algn="l" fontAlgn="auto" defTabSz="508000" eaLnBrk="0">
+              <a:lnSpc>
+                <a:spcPct val="90000"/>
+              </a:lnSpc>
+              <a:spcBef>
+                <a:spcPts val="0"/>
+              </a:spcBef>
+              <a:spcAft>
+                <a:spcPts val="0"/>
+              </a:spcAft>
+              <a:buFontTx/>
+              <a:buNone/>
+            </a:pPr>
+            <a:r>
+              <a:rPr lang="en-US" altLang="ko-KR" sz="3600" cap="none" dirty="0" smtClean="0" b="0">
+                <a:solidFill>
+                  <a:schemeClr val="tx1"/>
+                </a:solidFill>
+                <a:latin typeface="Calibri" charset="0"/>
+                <a:ea typeface="Calibri" charset="0"/>
+              </a:rPr>
+              <a:t>尽量将所有数据类型分布在训练集合测试集</a:t>
+            </a:r>
+            <a:endParaRPr lang="ko-KR" altLang="en-US" sz="3600" cap="none" dirty="0" smtClean="0" b="0">
+              <a:solidFill>
+                <a:schemeClr val="tx1"/>
+              </a:solidFill>
+              <a:latin typeface="Calibri" charset="0"/>
+              <a:ea typeface="Calibri" charset="0"/>
+            </a:endParaRPr>
+          </a:p>
+          <a:p>
+            <a:pPr marL="0" indent="0" algn="l" fontAlgn="auto" defTabSz="508000" eaLnBrk="0">
+              <a:lnSpc>
+                <a:spcPct val="90000"/>
+              </a:lnSpc>
+              <a:spcBef>
+                <a:spcPts val="0"/>
+              </a:spcBef>
+              <a:spcAft>
+                <a:spcPts val="0"/>
+              </a:spcAft>
+              <a:buFontTx/>
+              <a:buNone/>
+            </a:pPr>
+            <a:r>
+              <a:rPr lang="en-US" altLang="ko-KR" sz="3600" cap="none" dirty="0" smtClean="0" b="0">
+                <a:solidFill>
+                  <a:schemeClr val="tx1"/>
+                </a:solidFill>
+                <a:latin typeface="Calibri" charset="0"/>
+                <a:ea typeface="Calibri" charset="0"/>
+              </a:rPr>
+              <a:t>原因：这样才能更好的训练模型和比较准确的评估</a:t>
+            </a:r>
+            <a:endParaRPr lang="ko-KR" altLang="en-US" sz="3600" cap="none" dirty="0" smtClean="0" b="0">
+              <a:solidFill>
+                <a:schemeClr val="tx1"/>
+              </a:solidFill>
+              <a:latin typeface="Calibri" charset="0"/>
+              <a:ea typeface="Calibri" charset="0"/>
+            </a:endParaRPr>
+          </a:p>
+        </p:txBody>
+      </p:sp>
+    </p:spTree>
+  </p:cSld>
+  <p:clrMapOvr>
+    <a:masterClrMapping/>
+  </p:clrMapOvr>
+  <mc:AlternateContent xmlns:mc="http://schemas.openxmlformats.org/markup-compatibility/2006">
+    <mc:Choice xmlns:p14="http://schemas.microsoft.com/office/powerpoint/2010/main" Requires="p14">
+      <p:transition spd="slow" p14:dur="1000"/>
+    </mc:Choice>
+    <mc:Fallback>
+      <p:transition spd="slow"/>
+    </mc:Fallback>
+  </mc:AlternateContent>
+</p:sld>
+</file>
+
+<file path=ppt/slides/slide7.xml><?xml version="1.0" encoding="utf-8"?>
+<p:sld xmlns:a="http://schemas.openxmlformats.org/drawingml/2006/main" xmlns:r="http://schemas.openxmlformats.org/officeDocument/2006/relationships" xmlns:p="http://schemas.openxmlformats.org/presentationml/2006/main">
+  <p:cSld>
+    <p:spTree>
+      <p:nvGrpSpPr>
+        <p:cNvPr id="1" name=""/>
+        <p:cNvGrpSpPr/>
+        <p:nvPr/>
+      </p:nvGrpSpPr>
+      <p:grpSpPr>
+        <a:xfrm>
+          <a:off x="0" y="0"/>
+          <a:ext cx="0" cy="0"/>
+          <a:chOff x="0" y="0"/>
+          <a:chExt cx="0" cy="0"/>
+        </a:xfrm>
+      </p:grpSpPr>
+      <p:sp>
+        <p:nvSpPr>
+          <p:cNvPr id="2" name="文本占位符 1"/>
+          <p:cNvSpPr txBox="1">
+            <a:spLocks/>
+          </p:cNvSpPr>
+          <p:nvPr>
+            <p:ph type="title"/>
+          </p:nvPr>
+        </p:nvSpPr>
+        <p:spPr>
+          <a:xfrm rot="0">
+            <a:off x="457200" y="274320"/>
+            <a:ext cx="8230870" cy="1144270"/>
+          </a:xfrm>
+          <a:prstGeom prst="rect"/>
+        </p:spPr>
+        <p:txBody>
+          <a:bodyPr wrap="square" lIns="91440" tIns="45720" rIns="91440" bIns="45720" vert="horz" anchor="ctr">
+            <a:normAutofit fontScale="100000" lnSpcReduction="0"/>
+          </a:bodyPr>
+          <a:lstStyle/>
+          <a:p>
+            <a:pPr marL="0" indent="0" algn="l" fontAlgn="auto" defTabSz="508000" eaLnBrk="0">
+              <a:lnSpc>
+                <a:spcPct val="100000"/>
+              </a:lnSpc>
+              <a:spcBef>
+                <a:spcPts val="0"/>
+              </a:spcBef>
+              <a:spcAft>
+                <a:spcPts val="0"/>
+              </a:spcAft>
+              <a:buFontTx/>
+              <a:buNone/>
+            </a:pPr>
+            <a:r>
+              <a:rPr lang="en-US" altLang="ko-KR" sz="4400" cap="none" dirty="0" smtClean="0" b="0">
+                <a:solidFill>
+                  <a:schemeClr val="tx1"/>
+                </a:solidFill>
+                <a:latin typeface="Calibri" charset="0"/>
+                <a:ea typeface="Calibri" charset="0"/>
+              </a:rPr>
+              <a:t>保证足够的数据量</a:t>
+            </a:r>
+            <a:endParaRPr lang="ko-KR" altLang="en-US" sz="4400" cap="none" dirty="0" smtClean="0" b="0">
+              <a:solidFill>
+                <a:schemeClr val="tx1"/>
+              </a:solidFill>
+              <a:latin typeface="Calibri" charset="0"/>
+              <a:ea typeface="Calibri" charset="0"/>
+            </a:endParaRPr>
+          </a:p>
+        </p:txBody>
+      </p:sp>
+      <p:sp>
+        <p:nvSpPr>
+          <p:cNvPr id="3" name="内容占位符 2"/>
+          <p:cNvSpPr txBox="1">
+            <a:spLocks/>
+          </p:cNvSpPr>
+          <p:nvPr>
+            <p:ph type="obj" idx="1"/>
+          </p:nvPr>
+        </p:nvSpPr>
+        <p:spPr>
+          <a:xfrm rot="0">
+            <a:off x="457200" y="1600200"/>
+            <a:ext cx="8230870" cy="4527550"/>
+          </a:xfrm>
+          <a:prstGeom prst="rect"/>
+        </p:spPr>
+        <p:txBody>
+          <a:bodyPr wrap="square" lIns="91440" tIns="45720" rIns="91440" bIns="45720" vert="horz" anchor="t">
+            <a:normAutofit fontScale="100000" lnSpcReduction="0"/>
+          </a:bodyPr>
+          <a:lstStyle/>
+          <a:p>
+            <a:pPr marL="0" indent="0" algn="l" fontAlgn="auto" defTabSz="508000" eaLnBrk="0">
+              <a:lnSpc>
+                <a:spcPct val="90000"/>
+              </a:lnSpc>
+              <a:spcBef>
+                <a:spcPts val="0"/>
+              </a:spcBef>
+              <a:spcAft>
+                <a:spcPts val="0"/>
+              </a:spcAft>
+              <a:buFontTx/>
+              <a:buNone/>
+            </a:pPr>
+            <a:r>
+              <a:rPr lang="en-US" altLang="ko-KR" sz="3600" cap="none" dirty="0" smtClean="0" b="0">
+                <a:solidFill>
+                  <a:schemeClr val="tx1"/>
+                </a:solidFill>
+                <a:latin typeface="Calibri" charset="0"/>
+                <a:ea typeface="Calibri" charset="0"/>
+              </a:rPr>
+              <a:t>问题：训练模型往往要大量的数据但常常数据量可能不够</a:t>
+            </a:r>
+            <a:endParaRPr lang="ko-KR" altLang="en-US" sz="3600" cap="none" dirty="0" smtClean="0" b="0">
+              <a:solidFill>
+                <a:schemeClr val="tx1"/>
+              </a:solidFill>
+              <a:latin typeface="Calibri" charset="0"/>
+              <a:ea typeface="Calibri" charset="0"/>
+            </a:endParaRPr>
+          </a:p>
+          <a:p>
+            <a:pPr marL="0" indent="0" algn="l" fontAlgn="auto" defTabSz="508000" eaLnBrk="0">
+              <a:lnSpc>
+                <a:spcPct val="90000"/>
+              </a:lnSpc>
+              <a:spcBef>
+                <a:spcPts val="0"/>
+              </a:spcBef>
+              <a:spcAft>
+                <a:spcPts val="0"/>
+              </a:spcAft>
+              <a:buFontTx/>
+              <a:buNone/>
+            </a:pPr>
+            <a:endParaRPr lang="ko-KR" altLang="en-US" sz="3600" cap="none" dirty="0" smtClean="0" b="0">
+              <a:solidFill>
+                <a:schemeClr val="tx1"/>
+              </a:solidFill>
+              <a:latin typeface="Calibri" charset="0"/>
+              <a:ea typeface="Calibri" charset="0"/>
+            </a:endParaRPr>
+          </a:p>
+          <a:p>
+            <a:pPr marL="0" indent="0" algn="l" fontAlgn="auto" defTabSz="508000" eaLnBrk="0">
+              <a:lnSpc>
+                <a:spcPct val="90000"/>
+              </a:lnSpc>
+              <a:spcBef>
+                <a:spcPts val="0"/>
+              </a:spcBef>
+              <a:spcAft>
+                <a:spcPts val="0"/>
+              </a:spcAft>
+              <a:buFontTx/>
+              <a:buNone/>
+            </a:pPr>
+            <a:r>
+              <a:rPr lang="en-US" altLang="ko-KR" sz="3600" cap="none" dirty="0" smtClean="0" b="0">
+                <a:solidFill>
+                  <a:schemeClr val="tx1"/>
+                </a:solidFill>
+                <a:latin typeface="Calibri" charset="0"/>
+                <a:ea typeface="Calibri" charset="0"/>
+              </a:rPr>
+              <a:t>1.留出法</a:t>
+            </a:r>
+            <a:endParaRPr lang="ko-KR" altLang="en-US" sz="3600" cap="none" dirty="0" smtClean="0" b="0">
+              <a:solidFill>
+                <a:schemeClr val="tx1"/>
+              </a:solidFill>
+              <a:latin typeface="Calibri" charset="0"/>
+              <a:ea typeface="Calibri" charset="0"/>
+            </a:endParaRPr>
+          </a:p>
+          <a:p>
+            <a:pPr marL="0" indent="0" algn="l" fontAlgn="auto" defTabSz="508000" eaLnBrk="0">
+              <a:lnSpc>
+                <a:spcPct val="90000"/>
+              </a:lnSpc>
+              <a:spcBef>
+                <a:spcPts val="0"/>
+              </a:spcBef>
+              <a:spcAft>
+                <a:spcPts val="0"/>
+              </a:spcAft>
+              <a:buFontTx/>
+              <a:buNone/>
+            </a:pPr>
+            <a:r>
+              <a:rPr lang="en-US" altLang="ko-KR" sz="3600" cap="none" dirty="0" smtClean="0" b="0">
+                <a:solidFill>
+                  <a:schemeClr val="tx1"/>
+                </a:solidFill>
+                <a:latin typeface="Calibri" charset="0"/>
+                <a:ea typeface="Calibri" charset="0"/>
+              </a:rPr>
+              <a:t>2.交叉验证法</a:t>
+            </a:r>
+            <a:endParaRPr lang="ko-KR" altLang="en-US" sz="3600" cap="none" dirty="0" smtClean="0" b="0">
+              <a:solidFill>
+                <a:schemeClr val="tx1"/>
+              </a:solidFill>
+              <a:latin typeface="Calibri" charset="0"/>
+              <a:ea typeface="Calibri" charset="0"/>
+            </a:endParaRPr>
+          </a:p>
+          <a:p>
+            <a:pPr marL="0" indent="0" algn="l" fontAlgn="auto" defTabSz="508000" eaLnBrk="0">
+              <a:lnSpc>
+                <a:spcPct val="90000"/>
+              </a:lnSpc>
+              <a:spcBef>
+                <a:spcPts val="0"/>
+              </a:spcBef>
+              <a:spcAft>
+                <a:spcPts val="0"/>
+              </a:spcAft>
+              <a:buFontTx/>
+              <a:buNone/>
+            </a:pPr>
+            <a:r>
+              <a:rPr lang="en-US" altLang="ko-KR" sz="3600" cap="none" dirty="0" smtClean="0" b="0">
+                <a:solidFill>
+                  <a:schemeClr val="tx1"/>
+                </a:solidFill>
+                <a:latin typeface="Calibri" charset="0"/>
+                <a:ea typeface="Calibri" charset="0"/>
+              </a:rPr>
+              <a:t>3.自助法</a:t>
+            </a:r>
+            <a:endParaRPr lang="ko-KR" altLang="en-US" sz="3600" cap="none" dirty="0" smtClean="0" b="0">
+              <a:solidFill>
+                <a:schemeClr val="tx1"/>
+              </a:solidFill>
+              <a:latin typeface="Calibri" charset="0"/>
+              <a:ea typeface="Calibri" charset="0"/>
+            </a:endParaRPr>
+          </a:p>
+          <a:p>
+            <a:pPr marL="0" indent="0" algn="l" fontAlgn="auto" defTabSz="508000" eaLnBrk="0">
+              <a:lnSpc>
+                <a:spcPct val="90000"/>
+              </a:lnSpc>
+              <a:spcBef>
+                <a:spcPts val="0"/>
+              </a:spcBef>
+              <a:spcAft>
+                <a:spcPts val="0"/>
+              </a:spcAft>
+              <a:buFontTx/>
+              <a:buNone/>
+            </a:pPr>
+            <a:endParaRPr lang="ko-KR" altLang="en-US" sz="3600" cap="none" dirty="0" smtClean="0" b="0">
+              <a:solidFill>
+                <a:schemeClr val="tx1"/>
+              </a:solidFill>
+              <a:latin typeface="Calibri" charset="0"/>
+              <a:ea typeface="Calibri" charset="0"/>
+            </a:endParaRPr>
+          </a:p>
+        </p:txBody>
+      </p:sp>
+    </p:spTree>
+  </p:cSld>
+  <p:clrMapOvr>
+    <a:masterClrMapping/>
+  </p:clrMapOvr>
+  <mc:AlternateContent xmlns:mc="http://schemas.openxmlformats.org/markup-compatibility/2006">
+    <mc:Choice xmlns:p14="http://schemas.microsoft.com/office/powerpoint/2010/main" Requires="p14">
+      <p:transition spd="slow" p14:dur="1000"/>
+    </mc:Choice>
+    <mc:Fallback>
+      <p:transition spd="slow"/>
+    </mc:Fallback>
+  </mc:AlternateContent>
+</p:sld>
+</file>
+
+<file path=ppt/slides/slide8.xml><?xml version="1.0" encoding="utf-8"?>
+<p:sld xmlns:a="http://schemas.openxmlformats.org/drawingml/2006/main" xmlns:r="http://schemas.openxmlformats.org/officeDocument/2006/relationships" xmlns:p="http://schemas.openxmlformats.org/presentationml/2006/main">
+  <p:cSld>
+    <p:spTree>
+      <p:nvGrpSpPr>
+        <p:cNvPr id="1" name=""/>
+        <p:cNvGrpSpPr/>
+        <p:nvPr/>
+      </p:nvGrpSpPr>
+      <p:grpSpPr>
+        <a:xfrm>
+          <a:off x="0" y="0"/>
+          <a:ext cx="0" cy="0"/>
+          <a:chOff x="0" y="0"/>
+          <a:chExt cx="0" cy="0"/>
+        </a:xfrm>
+      </p:grpSpPr>
+      <p:sp>
+        <p:nvSpPr>
+          <p:cNvPr id="2" name="文本占位符 1"/>
+          <p:cNvSpPr txBox="1">
+            <a:spLocks/>
+          </p:cNvSpPr>
+          <p:nvPr>
+            <p:ph type="title"/>
+          </p:nvPr>
+        </p:nvSpPr>
+        <p:spPr>
+          <a:xfrm rot="0">
+            <a:off x="457200" y="274320"/>
+            <a:ext cx="8230870" cy="1144270"/>
+          </a:xfrm>
+          <a:prstGeom prst="rect"/>
+        </p:spPr>
+        <p:txBody>
+          <a:bodyPr wrap="square" lIns="91440" tIns="45720" rIns="91440" bIns="45720" vert="horz" anchor="ctr">
+            <a:normAutofit fontScale="100000" lnSpcReduction="0"/>
+          </a:bodyPr>
+          <a:lstStyle/>
+          <a:p>
+            <a:pPr marL="0" indent="0" algn="l" fontAlgn="auto" defTabSz="508000" eaLnBrk="0">
+              <a:lnSpc>
+                <a:spcPct val="100000"/>
+              </a:lnSpc>
+              <a:spcBef>
+                <a:spcPts val="0"/>
+              </a:spcBef>
+              <a:spcAft>
+                <a:spcPts val="0"/>
+              </a:spcAft>
+              <a:buFontTx/>
+              <a:buNone/>
+            </a:pPr>
+            <a:r>
+              <a:rPr lang="en-US" altLang="ko-KR" sz="4400" cap="none" dirty="0" smtClean="0" b="0">
+                <a:solidFill>
+                  <a:schemeClr val="tx1"/>
+                </a:solidFill>
+                <a:latin typeface="Calibri" charset="0"/>
+                <a:ea typeface="Calibri" charset="0"/>
+              </a:rPr>
+              <a:t>留出法</a:t>
+            </a:r>
+            <a:endParaRPr lang="ko-KR" altLang="en-US" sz="4400" cap="none" dirty="0" smtClean="0" b="0">
+              <a:solidFill>
+                <a:schemeClr val="tx1"/>
+              </a:solidFill>
+              <a:latin typeface="Calibri" charset="0"/>
+              <a:ea typeface="Calibri" charset="0"/>
+            </a:endParaRPr>
+          </a:p>
+        </p:txBody>
+      </p:sp>
+      <p:sp>
+        <p:nvSpPr>
+          <p:cNvPr id="3" name="内容占位符 2"/>
+          <p:cNvSpPr txBox="1">
+            <a:spLocks/>
+          </p:cNvSpPr>
+          <p:nvPr>
+            <p:ph type="obj" idx="1"/>
+          </p:nvPr>
+        </p:nvSpPr>
+        <p:spPr>
+          <a:xfrm rot="0">
+            <a:off x="457200" y="1600200"/>
+            <a:ext cx="8230870" cy="4527550"/>
+          </a:xfrm>
+          <a:prstGeom prst="rect"/>
+        </p:spPr>
+        <p:txBody>
+          <a:bodyPr wrap="square" lIns="91440" tIns="45720" rIns="91440" bIns="45720" vert="horz" anchor="t">
+            <a:normAutofit fontScale="100000" lnSpcReduction="0"/>
+          </a:bodyPr>
+          <a:lstStyle/>
+          <a:p>
+            <a:pPr marL="0" indent="0" algn="l" fontAlgn="auto" defTabSz="508000" eaLnBrk="0">
+              <a:lnSpc>
+                <a:spcPct val="90000"/>
+              </a:lnSpc>
+              <a:spcBef>
+                <a:spcPts val="0"/>
+              </a:spcBef>
+              <a:spcAft>
+                <a:spcPts val="0"/>
+              </a:spcAft>
+              <a:buFontTx/>
+              <a:buNone/>
+            </a:pPr>
+            <a:r>
+              <a:rPr lang="en-US" altLang="ko-KR" sz="2800" cap="none" dirty="0" smtClean="0" b="0">
+                <a:solidFill>
+                  <a:schemeClr val="tx1"/>
+                </a:solidFill>
+                <a:latin typeface="Calibri" charset="0"/>
+                <a:ea typeface="Calibri" charset="0"/>
+              </a:rPr>
+              <a:t>"留出法" 直接将数据集 划分为两个互斥的集合，其中一个集合作为训练集S ，另一个作为测试集 T， “数据集”=S∪T  T∩S=“null” 。</a:t>
+            </a:r>
+            <a:endParaRPr lang="ko-KR" altLang="en-US" sz="2800" cap="none" dirty="0" smtClean="0" b="0">
+              <a:solidFill>
+                <a:schemeClr val="tx1"/>
+              </a:solidFill>
+              <a:latin typeface="Calibri" charset="0"/>
+              <a:ea typeface="Calibri" charset="0"/>
+            </a:endParaRPr>
+          </a:p>
+          <a:p>
+            <a:pPr marL="0" indent="0" algn="l" fontAlgn="auto" defTabSz="508000" eaLnBrk="0">
+              <a:lnSpc>
+                <a:spcPct val="90000"/>
+              </a:lnSpc>
+              <a:spcBef>
+                <a:spcPts val="0"/>
+              </a:spcBef>
+              <a:spcAft>
+                <a:spcPts val="0"/>
+              </a:spcAft>
+              <a:buFontTx/>
+              <a:buNone/>
+            </a:pPr>
+            <a:r>
+              <a:rPr lang="en-US" altLang="ko-KR" sz="2800" cap="none" dirty="0" smtClean="0" b="0">
+                <a:solidFill>
+                  <a:schemeClr val="tx1"/>
+                </a:solidFill>
+                <a:latin typeface="Calibri" charset="0"/>
+                <a:ea typeface="Calibri" charset="0"/>
+              </a:rPr>
+              <a:t>S上训练上训练出模型后，用T来评估其测试误差</a:t>
+            </a:r>
+            <a:endParaRPr lang="ko-KR" altLang="en-US" sz="2800" cap="none" dirty="0" smtClean="0" b="0">
+              <a:solidFill>
+                <a:schemeClr val="tx1"/>
+              </a:solidFill>
+              <a:latin typeface="Calibri" charset="0"/>
+              <a:ea typeface="Calibri" charset="0"/>
+            </a:endParaRPr>
+          </a:p>
+        </p:txBody>
+      </p:sp>
+    </p:spTree>
+  </p:cSld>
+  <p:clrMapOvr>
+    <a:masterClrMapping/>
+  </p:clrMapOvr>
+  <mc:AlternateContent xmlns:mc="http://schemas.openxmlformats.org/markup-compatibility/2006">
+    <mc:Choice xmlns:p14="http://schemas.microsoft.com/office/powerpoint/2010/main" Requires="p14">
+      <p:transition spd="slow" p14:dur="1000"/>
+    </mc:Choice>
+    <mc:Fallback>
+      <p:transition spd="slow"/>
+    </mc:Fallback>
+  </mc:AlternateContent>
+</p:sld>
+</file>
+
+<file path=ppt/slides/slide9.xml><?xml version="1.0" encoding="utf-8"?>
+<p:sld xmlns:a="http://schemas.openxmlformats.org/drawingml/2006/main" xmlns:r="http://schemas.openxmlformats.org/officeDocument/2006/relationships" xmlns:p="http://schemas.openxmlformats.org/presentationml/2006/main">
+  <p:cSld>
+    <p:spTree>
+      <p:nvGrpSpPr>
+        <p:cNvPr id="1" name=""/>
+        <p:cNvGrpSpPr/>
+        <p:nvPr/>
+      </p:nvGrpSpPr>
+      <p:grpSpPr>
+        <a:xfrm>
+          <a:off x="0" y="0"/>
+          <a:ext cx="0" cy="0"/>
+          <a:chOff x="0" y="0"/>
+          <a:chExt cx="0" cy="0"/>
+        </a:xfrm>
+      </p:grpSpPr>
+      <p:sp>
+        <p:nvSpPr>
+          <p:cNvPr id="2" name="文本占位符 1"/>
+          <p:cNvSpPr txBox="1">
+            <a:spLocks/>
+          </p:cNvSpPr>
+          <p:nvPr>
+            <p:ph type="title"/>
+          </p:nvPr>
+        </p:nvSpPr>
+        <p:spPr>
+          <a:xfrm rot="0">
+            <a:off x="457200" y="274320"/>
+            <a:ext cx="8230870" cy="1144270"/>
+          </a:xfrm>
+          <a:prstGeom prst="rect"/>
+        </p:spPr>
+        <p:txBody>
+          <a:bodyPr wrap="square" lIns="91440" tIns="45720" rIns="91440" bIns="45720" vert="horz" anchor="ctr">
+            <a:normAutofit fontScale="100000" lnSpcReduction="0"/>
+          </a:bodyPr>
+          <a:lstStyle/>
+          <a:p>
+            <a:pPr marL="0" indent="0" algn="l" fontAlgn="auto" defTabSz="508000" eaLnBrk="0">
+              <a:lnSpc>
+                <a:spcPct val="100000"/>
+              </a:lnSpc>
+              <a:spcBef>
+                <a:spcPts val="0"/>
+              </a:spcBef>
+              <a:spcAft>
+                <a:spcPts val="0"/>
+              </a:spcAft>
+              <a:buFontTx/>
+              <a:buNone/>
+            </a:pPr>
+            <a:r>
+              <a:rPr lang="en-US" altLang="ko-KR" sz="4400" cap="none" dirty="0" smtClean="0" b="0">
+                <a:solidFill>
+                  <a:schemeClr val="tx1"/>
+                </a:solidFill>
+                <a:latin typeface="Calibri" charset="0"/>
+                <a:ea typeface="Calibri" charset="0"/>
+              </a:rPr>
+              <a:t>交叉验证法</a:t>
+            </a:r>
+            <a:endParaRPr lang="ko-KR" altLang="en-US" sz="4400" cap="none" dirty="0" smtClean="0" b="0">
+              <a:solidFill>
+                <a:schemeClr val="tx1"/>
+              </a:solidFill>
+              <a:latin typeface="Calibri" charset="0"/>
+              <a:ea typeface="Calibri" charset="0"/>
+            </a:endParaRPr>
+          </a:p>
+        </p:txBody>
+      </p:sp>
+      <p:sp>
+        <p:nvSpPr>
+          <p:cNvPr id="3" name="内容占位符 2"/>
+          <p:cNvSpPr txBox="1">
+            <a:spLocks/>
+          </p:cNvSpPr>
+          <p:nvPr>
+            <p:ph type="obj" idx="1"/>
+          </p:nvPr>
+        </p:nvSpPr>
+        <p:spPr>
+          <a:xfrm rot="0">
+            <a:off x="445770" y="1600200"/>
+            <a:ext cx="8230870" cy="4527550"/>
+          </a:xfrm>
+          <a:prstGeom prst="rect"/>
+        </p:spPr>
+        <p:txBody>
+          <a:bodyPr wrap="square" lIns="91440" tIns="45720" rIns="91440" bIns="45720" vert="horz" anchor="t">
+            <a:normAutofit fontScale="100000" lnSpcReduction="0"/>
+          </a:bodyPr>
+          <a:lstStyle/>
+          <a:p>
+            <a:pPr marL="0" indent="0" algn="l" fontAlgn="auto" defTabSz="508000" eaLnBrk="0">
+              <a:lnSpc>
+                <a:spcPct val="90000"/>
+              </a:lnSpc>
+              <a:spcBef>
+                <a:spcPts val="0"/>
+              </a:spcBef>
+              <a:spcAft>
+                <a:spcPts val="0"/>
+              </a:spcAft>
+              <a:buFontTx/>
+              <a:buNone/>
+            </a:pPr>
+            <a:r>
+              <a:rPr lang="en-US" altLang="ko-KR" sz="3600" cap="none" dirty="0" smtClean="0" b="0">
+                <a:solidFill>
+                  <a:schemeClr val="tx1"/>
+                </a:solidFill>
+                <a:latin typeface="Calibri" charset="0"/>
+                <a:ea typeface="Calibri" charset="0"/>
+              </a:rPr>
+              <a:t>"交叉验证法" (cross alidation) 将数据集D划分为k个大小相似的互斥子集，尽可 保持数据分布的一致性，每次用k-1个子集的并集作为训练数据，余下的作为测试数据</a:t>
+            </a:r>
+            <a:endParaRPr lang="ko-KR" altLang="en-US" sz="3600" cap="none" dirty="0" smtClean="0" b="0">
+              <a:solidFill>
+                <a:schemeClr val="tx1"/>
+              </a:solidFill>
+              <a:latin typeface="Calibri" charset="0"/>
+              <a:ea typeface="Calibri" charset="0"/>
+            </a:endParaRPr>
+          </a:p>
+          <a:p>
+            <a:pPr marL="0" indent="0" algn="l" fontAlgn="auto" defTabSz="508000" eaLnBrk="0">
+              <a:lnSpc>
+                <a:spcPct val="90000"/>
+              </a:lnSpc>
+              <a:spcBef>
+                <a:spcPts val="0"/>
+              </a:spcBef>
+              <a:spcAft>
+                <a:spcPts val="0"/>
+              </a:spcAft>
+              <a:buFontTx/>
+              <a:buNone/>
+            </a:pPr>
+            <a:r>
+              <a:rPr lang="en-US" altLang="ko-KR" sz="3600" cap="none" dirty="0" smtClean="0" b="0">
+                <a:solidFill>
+                  <a:schemeClr val="tx1"/>
+                </a:solidFill>
+                <a:latin typeface="Calibri" charset="0"/>
+                <a:ea typeface="Calibri" charset="0"/>
+              </a:rPr>
+              <a:t>看下图：</a:t>
             </a:r>
             <a:endParaRPr lang="ko-KR" altLang="en-US" sz="3600" cap="none" dirty="0" smtClean="0" b="0">
               <a:solidFill>
